--- a/Jenkins.pptx
+++ b/Jenkins.pptx
@@ -5,10 +5,10 @@
     <p:sldMasterId id="2147483684" r:id="rId4"/>
   </p:sldMasterIdLst>
   <p:notesMasterIdLst>
-    <p:notesMasterId r:id="rId59"/>
+    <p:notesMasterId r:id="rId55"/>
   </p:notesMasterIdLst>
   <p:handoutMasterIdLst>
-    <p:handoutMasterId r:id="rId60"/>
+    <p:handoutMasterId r:id="rId56"/>
   </p:handoutMasterIdLst>
   <p:sldIdLst>
     <p:sldId id="265" r:id="rId5"/>
@@ -49,22 +49,18 @@
     <p:sldId id="302" r:id="rId40"/>
     <p:sldId id="305" r:id="rId41"/>
     <p:sldId id="306" r:id="rId42"/>
-    <p:sldId id="307" r:id="rId43"/>
-    <p:sldId id="308" r:id="rId44"/>
-    <p:sldId id="309" r:id="rId45"/>
-    <p:sldId id="310" r:id="rId46"/>
-    <p:sldId id="311" r:id="rId47"/>
-    <p:sldId id="312" r:id="rId48"/>
-    <p:sldId id="317" r:id="rId49"/>
-    <p:sldId id="318" r:id="rId50"/>
-    <p:sldId id="319" r:id="rId51"/>
-    <p:sldId id="320" r:id="rId52"/>
-    <p:sldId id="313" r:id="rId53"/>
-    <p:sldId id="321" r:id="rId54"/>
-    <p:sldId id="322" r:id="rId55"/>
-    <p:sldId id="323" r:id="rId56"/>
-    <p:sldId id="314" r:id="rId57"/>
-    <p:sldId id="303" r:id="rId58"/>
+    <p:sldId id="309" r:id="rId43"/>
+    <p:sldId id="310" r:id="rId44"/>
+    <p:sldId id="311" r:id="rId45"/>
+    <p:sldId id="312" r:id="rId46"/>
+    <p:sldId id="317" r:id="rId47"/>
+    <p:sldId id="318" r:id="rId48"/>
+    <p:sldId id="319" r:id="rId49"/>
+    <p:sldId id="320" r:id="rId50"/>
+    <p:sldId id="313" r:id="rId51"/>
+    <p:sldId id="321" r:id="rId52"/>
+    <p:sldId id="322" r:id="rId53"/>
+    <p:sldId id="323" r:id="rId54"/>
   </p:sldIdLst>
   <p:sldSz cx="12192000" cy="6858000"/>
   <p:notesSz cx="6858000" cy="9144000"/>
@@ -267,7 +263,7 @@
           <a:p>
             <a:fld id="{41658A34-83F4-4B2E-BC5A-DE51EE8822F9}" type="datetimeFigureOut">
               <a:rPr lang="en-US" smtClean="0"/>
-              <a:t>8/28/2017</a:t>
+              <a:t>9/7/2017</a:t>
             </a:fld>
             <a:endParaRPr lang="en-US" dirty="0"/>
           </a:p>
@@ -432,7 +428,7 @@
           <a:p>
             <a:fld id="{7F2E1917-0BAF-4687-978A-82FFF05559C3}" type="datetimeFigureOut">
               <a:rPr lang="en-US" smtClean="0"/>
-              <a:t>8/28/2017</a:t>
+              <a:t>9/7/2017</a:t>
             </a:fld>
             <a:endParaRPr lang="en-US" dirty="0"/>
           </a:p>
@@ -2008,7 +2004,7 @@
     </p:spTree>
     <p:extLst>
       <p:ext uri="{BB962C8B-B14F-4D97-AF65-F5344CB8AC3E}">
-        <p14:creationId xmlns:p14="http://schemas.microsoft.com/office/powerpoint/2010/main" val="3819974049"/>
+        <p14:creationId xmlns:p14="http://schemas.microsoft.com/office/powerpoint/2010/main" val="577886649"/>
       </p:ext>
     </p:extLst>
   </p:cSld>
@@ -2065,20 +2061,6 @@
             <a:pPr marL="0" indent="0">
               <a:buNone/>
             </a:pPr>
-            <a:r>
-              <a:rPr lang="en-IN" dirty="0" smtClean="0"/>
-              <a:t>Docker is written in </a:t>
-            </a:r>
-            <a:r>
-              <a:rPr lang="en-IN" dirty="0" smtClean="0">
-                <a:hlinkClick r:id="rId3"/>
-              </a:rPr>
-              <a:t>Go</a:t>
-            </a:r>
-            <a:r>
-              <a:rPr lang="en-IN" dirty="0" smtClean="0"/>
-              <a:t> and takes advantage of several features of the Linux kernel to deliver its functionality.</a:t>
-            </a:r>
             <a:endParaRPr lang="en-IN" dirty="0"/>
           </a:p>
         </p:txBody>
@@ -2109,7 +2091,7 @@
     </p:spTree>
     <p:extLst>
       <p:ext uri="{BB962C8B-B14F-4D97-AF65-F5344CB8AC3E}">
-        <p14:creationId xmlns:p14="http://schemas.microsoft.com/office/powerpoint/2010/main" val="2714460468"/>
+        <p14:creationId xmlns:p14="http://schemas.microsoft.com/office/powerpoint/2010/main" val="2595173898"/>
       </p:ext>
     </p:extLst>
   </p:cSld>
@@ -2166,6 +2148,14 @@
             <a:pPr marL="0" indent="0">
               <a:buNone/>
             </a:pPr>
+            <a:r>
+              <a:rPr lang="en-IN" dirty="0" smtClean="0"/>
+              <a:t>Docker Engine 1.12 introduces swarm mode that enables you to create a cluster of one or more Docker Engines called a swarm. </a:t>
+            </a:r>
+            <a:r>
+              <a:rPr lang="en-IN" smtClean="0"/>
+              <a:t>A swarm consists of one or more nodes: physical or virtual machines running Docker Engine 1.12 or later in swarm mode</a:t>
+            </a:r>
             <a:endParaRPr lang="en-IN" dirty="0"/>
           </a:p>
         </p:txBody>
@@ -2196,7 +2186,7 @@
     </p:spTree>
     <p:extLst>
       <p:ext uri="{BB962C8B-B14F-4D97-AF65-F5344CB8AC3E}">
-        <p14:creationId xmlns:p14="http://schemas.microsoft.com/office/powerpoint/2010/main" val="577886649"/>
+        <p14:creationId xmlns:p14="http://schemas.microsoft.com/office/powerpoint/2010/main" val="2926668868"/>
       </p:ext>
     </p:extLst>
   </p:cSld>
@@ -2283,7 +2273,7 @@
     </p:spTree>
     <p:extLst>
       <p:ext uri="{BB962C8B-B14F-4D97-AF65-F5344CB8AC3E}">
-        <p14:creationId xmlns:p14="http://schemas.microsoft.com/office/powerpoint/2010/main" val="2595173898"/>
+        <p14:creationId xmlns:p14="http://schemas.microsoft.com/office/powerpoint/2010/main" val="1472235875"/>
       </p:ext>
     </p:extLst>
   </p:cSld>
@@ -2340,14 +2330,6 @@
             <a:pPr marL="0" indent="0">
               <a:buNone/>
             </a:pPr>
-            <a:r>
-              <a:rPr lang="en-IN" dirty="0" smtClean="0"/>
-              <a:t>Docker Engine 1.12 introduces swarm mode that enables you to create a cluster of one or more Docker Engines called a swarm. </a:t>
-            </a:r>
-            <a:r>
-              <a:rPr lang="en-IN" smtClean="0"/>
-              <a:t>A swarm consists of one or more nodes: physical or virtual machines running Docker Engine 1.12 or later in swarm mode</a:t>
-            </a:r>
             <a:endParaRPr lang="en-IN" dirty="0"/>
           </a:p>
         </p:txBody>
@@ -2378,7 +2360,7 @@
     </p:spTree>
     <p:extLst>
       <p:ext uri="{BB962C8B-B14F-4D97-AF65-F5344CB8AC3E}">
-        <p14:creationId xmlns:p14="http://schemas.microsoft.com/office/powerpoint/2010/main" val="2926668868"/>
+        <p14:creationId xmlns:p14="http://schemas.microsoft.com/office/powerpoint/2010/main" val="3247507166"/>
       </p:ext>
     </p:extLst>
   </p:cSld>
@@ -2465,7 +2447,7 @@
     </p:spTree>
     <p:extLst>
       <p:ext uri="{BB962C8B-B14F-4D97-AF65-F5344CB8AC3E}">
-        <p14:creationId xmlns:p14="http://schemas.microsoft.com/office/powerpoint/2010/main" val="1472235875"/>
+        <p14:creationId xmlns:p14="http://schemas.microsoft.com/office/powerpoint/2010/main" val="2537022944"/>
       </p:ext>
     </p:extLst>
   </p:cSld>
@@ -2552,7 +2534,7 @@
     </p:spTree>
     <p:extLst>
       <p:ext uri="{BB962C8B-B14F-4D97-AF65-F5344CB8AC3E}">
-        <p14:creationId xmlns:p14="http://schemas.microsoft.com/office/powerpoint/2010/main" val="3247507166"/>
+        <p14:creationId xmlns:p14="http://schemas.microsoft.com/office/powerpoint/2010/main" val="3843848562"/>
       </p:ext>
     </p:extLst>
   </p:cSld>
@@ -2609,6 +2591,76 @@
             <a:pPr marL="0" indent="0">
               <a:buNone/>
             </a:pPr>
+            <a:r>
+              <a:rPr lang="en-IN" dirty="0" smtClean="0"/>
+              <a:t>apt-get update</a:t>
+            </a:r>
+          </a:p>
+          <a:p>
+            <a:pPr marL="0" indent="0">
+              <a:buNone/>
+            </a:pPr>
+            <a:r>
+              <a:rPr lang="en-IN" dirty="0" smtClean="0"/>
+              <a:t>apt-get install net-tools</a:t>
+            </a:r>
+          </a:p>
+          <a:p>
+            <a:pPr marL="0" indent="0">
+              <a:buNone/>
+            </a:pPr>
+            <a:r>
+              <a:rPr lang="en-IN" dirty="0" smtClean="0"/>
+              <a:t>apt-get install iproute2</a:t>
+            </a:r>
+          </a:p>
+          <a:p>
+            <a:pPr marL="0" indent="0">
+              <a:buNone/>
+            </a:pPr>
+            <a:r>
+              <a:rPr lang="en-IN" dirty="0" smtClean="0"/>
+              <a:t>apt-get install </a:t>
+            </a:r>
+            <a:r>
+              <a:rPr lang="en-IN" dirty="0" err="1" smtClean="0"/>
+              <a:t>iputils</a:t>
+            </a:r>
+            <a:r>
+              <a:rPr lang="en-IN" dirty="0" smtClean="0"/>
+              <a:t>-ping</a:t>
+            </a:r>
+          </a:p>
+          <a:p>
+            <a:pPr marL="0" indent="0">
+              <a:buNone/>
+            </a:pPr>
+            <a:r>
+              <a:rPr lang="en-IN" dirty="0" smtClean="0"/>
+              <a:t>apt-get install </a:t>
+            </a:r>
+            <a:r>
+              <a:rPr lang="en-IN" dirty="0" err="1" smtClean="0"/>
+              <a:t>openssh</a:t>
+            </a:r>
+            <a:r>
+              <a:rPr lang="en-IN" dirty="0" smtClean="0"/>
+              <a:t>-server</a:t>
+            </a:r>
+          </a:p>
+          <a:p>
+            <a:pPr marL="0" indent="0">
+              <a:buNone/>
+            </a:pPr>
+            <a:r>
+              <a:rPr lang="en-IN" dirty="0" smtClean="0"/>
+              <a:t>apt-get install vim</a:t>
+            </a:r>
+          </a:p>
+          <a:p>
+            <a:pPr marL="0" indent="0">
+              <a:buNone/>
+            </a:pPr>
             <a:endParaRPr lang="en-IN" dirty="0"/>
           </a:p>
         </p:txBody>
@@ -2639,7 +2691,7 @@
     </p:spTree>
     <p:extLst>
       <p:ext uri="{BB962C8B-B14F-4D97-AF65-F5344CB8AC3E}">
-        <p14:creationId xmlns:p14="http://schemas.microsoft.com/office/powerpoint/2010/main" val="2537022944"/>
+        <p14:creationId xmlns:p14="http://schemas.microsoft.com/office/powerpoint/2010/main" val="2732430083"/>
       </p:ext>
     </p:extLst>
   </p:cSld>
@@ -2726,7 +2778,7 @@
     </p:spTree>
     <p:extLst>
       <p:ext uri="{BB962C8B-B14F-4D97-AF65-F5344CB8AC3E}">
-        <p14:creationId xmlns:p14="http://schemas.microsoft.com/office/powerpoint/2010/main" val="3843848562"/>
+        <p14:creationId xmlns:p14="http://schemas.microsoft.com/office/powerpoint/2010/main" val="3578108564"/>
       </p:ext>
     </p:extLst>
   </p:cSld>
@@ -2783,76 +2835,6 @@
             <a:pPr marL="0" indent="0">
               <a:buNone/>
             </a:pPr>
-            <a:r>
-              <a:rPr lang="en-IN" dirty="0" smtClean="0"/>
-              <a:t>apt-get update</a:t>
-            </a:r>
-          </a:p>
-          <a:p>
-            <a:pPr marL="0" indent="0">
-              <a:buNone/>
-            </a:pPr>
-            <a:r>
-              <a:rPr lang="en-IN" dirty="0" smtClean="0"/>
-              <a:t>apt-get install net-tools</a:t>
-            </a:r>
-          </a:p>
-          <a:p>
-            <a:pPr marL="0" indent="0">
-              <a:buNone/>
-            </a:pPr>
-            <a:r>
-              <a:rPr lang="en-IN" dirty="0" smtClean="0"/>
-              <a:t>apt-get install iproute2</a:t>
-            </a:r>
-          </a:p>
-          <a:p>
-            <a:pPr marL="0" indent="0">
-              <a:buNone/>
-            </a:pPr>
-            <a:r>
-              <a:rPr lang="en-IN" dirty="0" smtClean="0"/>
-              <a:t>apt-get install </a:t>
-            </a:r>
-            <a:r>
-              <a:rPr lang="en-IN" dirty="0" err="1" smtClean="0"/>
-              <a:t>iputils</a:t>
-            </a:r>
-            <a:r>
-              <a:rPr lang="en-IN" dirty="0" smtClean="0"/>
-              <a:t>-ping</a:t>
-            </a:r>
-          </a:p>
-          <a:p>
-            <a:pPr marL="0" indent="0">
-              <a:buNone/>
-            </a:pPr>
-            <a:r>
-              <a:rPr lang="en-IN" dirty="0" smtClean="0"/>
-              <a:t>apt-get install </a:t>
-            </a:r>
-            <a:r>
-              <a:rPr lang="en-IN" dirty="0" err="1" smtClean="0"/>
-              <a:t>openssh</a:t>
-            </a:r>
-            <a:r>
-              <a:rPr lang="en-IN" dirty="0" smtClean="0"/>
-              <a:t>-server</a:t>
-            </a:r>
-          </a:p>
-          <a:p>
-            <a:pPr marL="0" indent="0">
-              <a:buNone/>
-            </a:pPr>
-            <a:r>
-              <a:rPr lang="en-IN" dirty="0" smtClean="0"/>
-              <a:t>apt-get install vim</a:t>
-            </a:r>
-          </a:p>
-          <a:p>
-            <a:pPr marL="0" indent="0">
-              <a:buNone/>
-            </a:pPr>
             <a:endParaRPr lang="en-IN" dirty="0"/>
           </a:p>
         </p:txBody>
@@ -2883,7 +2865,7 @@
     </p:spTree>
     <p:extLst>
       <p:ext uri="{BB962C8B-B14F-4D97-AF65-F5344CB8AC3E}">
-        <p14:creationId xmlns:p14="http://schemas.microsoft.com/office/powerpoint/2010/main" val="2732430083"/>
+        <p14:creationId xmlns:p14="http://schemas.microsoft.com/office/powerpoint/2010/main" val="3964976642"/>
       </p:ext>
     </p:extLst>
   </p:cSld>
@@ -3093,7 +3075,7 @@
     </p:spTree>
     <p:extLst>
       <p:ext uri="{BB962C8B-B14F-4D97-AF65-F5344CB8AC3E}">
-        <p14:creationId xmlns:p14="http://schemas.microsoft.com/office/powerpoint/2010/main" val="3578108564"/>
+        <p14:creationId xmlns:p14="http://schemas.microsoft.com/office/powerpoint/2010/main" val="3206595154"/>
       </p:ext>
     </p:extLst>
   </p:cSld>
@@ -3180,268 +3162,7 @@
     </p:spTree>
     <p:extLst>
       <p:ext uri="{BB962C8B-B14F-4D97-AF65-F5344CB8AC3E}">
-        <p14:creationId xmlns:p14="http://schemas.microsoft.com/office/powerpoint/2010/main" val="3964976642"/>
-      </p:ext>
-    </p:extLst>
-  </p:cSld>
-  <p:clrMapOvr>
-    <a:masterClrMapping/>
-  </p:clrMapOvr>
-</p:notes>
-</file>
-
-<file path=ppt/notesSlides/notesSlide32.xml><?xml version="1.0" encoding="utf-8"?>
-<p:notes xmlns:a="http://schemas.openxmlformats.org/drawingml/2006/main" xmlns:r="http://schemas.openxmlformats.org/officeDocument/2006/relationships" xmlns:p="http://schemas.openxmlformats.org/presentationml/2006/main">
-  <p:cSld>
-    <p:spTree>
-      <p:nvGrpSpPr>
-        <p:cNvPr id="1" name=""/>
-        <p:cNvGrpSpPr/>
-        <p:nvPr/>
-      </p:nvGrpSpPr>
-      <p:grpSpPr>
-        <a:xfrm>
-          <a:off x="0" y="0"/>
-          <a:ext cx="0" cy="0"/>
-          <a:chOff x="0" y="0"/>
-          <a:chExt cx="0" cy="0"/>
-        </a:xfrm>
-      </p:grpSpPr>
-      <p:sp>
-        <p:nvSpPr>
-          <p:cNvPr id="2" name="Slide Image Placeholder 1"/>
-          <p:cNvSpPr>
-            <a:spLocks noGrp="1" noRot="1" noChangeAspect="1"/>
-          </p:cNvSpPr>
-          <p:nvPr>
-            <p:ph type="sldImg"/>
-          </p:nvPr>
-        </p:nvSpPr>
-        <p:spPr/>
-      </p:sp>
-      <p:sp>
-        <p:nvSpPr>
-          <p:cNvPr id="3" name="Notes Placeholder 2"/>
-          <p:cNvSpPr>
-            <a:spLocks noGrp="1"/>
-          </p:cNvSpPr>
-          <p:nvPr>
-            <p:ph type="body" idx="1"/>
-          </p:nvPr>
-        </p:nvSpPr>
-        <p:spPr/>
-        <p:txBody>
-          <a:bodyPr/>
-          <a:lstStyle/>
-          <a:p>
-            <a:pPr marL="0" indent="0">
-              <a:buNone/>
-            </a:pPr>
-            <a:endParaRPr lang="en-IN" dirty="0"/>
-          </a:p>
-        </p:txBody>
-      </p:sp>
-      <p:sp>
-        <p:nvSpPr>
-          <p:cNvPr id="4" name="Slide Number Placeholder 3"/>
-          <p:cNvSpPr>
-            <a:spLocks noGrp="1"/>
-          </p:cNvSpPr>
-          <p:nvPr>
-            <p:ph type="sldNum" sz="quarter" idx="10"/>
-          </p:nvPr>
-        </p:nvSpPr>
-        <p:spPr/>
-        <p:txBody>
-          <a:bodyPr/>
-          <a:lstStyle/>
-          <a:p>
-            <a:fld id="{810E1E9A-E921-4174-A0FC-51868D7AC568}" type="slidenum">
-              <a:rPr lang="en-US" smtClean="0"/>
-              <a:t>51</a:t>
-            </a:fld>
-            <a:endParaRPr lang="en-US" dirty="0"/>
-          </a:p>
-        </p:txBody>
-      </p:sp>
-    </p:spTree>
-    <p:extLst>
-      <p:ext uri="{BB962C8B-B14F-4D97-AF65-F5344CB8AC3E}">
-        <p14:creationId xmlns:p14="http://schemas.microsoft.com/office/powerpoint/2010/main" val="3206595154"/>
-      </p:ext>
-    </p:extLst>
-  </p:cSld>
-  <p:clrMapOvr>
-    <a:masterClrMapping/>
-  </p:clrMapOvr>
-</p:notes>
-</file>
-
-<file path=ppt/notesSlides/notesSlide33.xml><?xml version="1.0" encoding="utf-8"?>
-<p:notes xmlns:a="http://schemas.openxmlformats.org/drawingml/2006/main" xmlns:r="http://schemas.openxmlformats.org/officeDocument/2006/relationships" xmlns:p="http://schemas.openxmlformats.org/presentationml/2006/main">
-  <p:cSld>
-    <p:spTree>
-      <p:nvGrpSpPr>
-        <p:cNvPr id="1" name=""/>
-        <p:cNvGrpSpPr/>
-        <p:nvPr/>
-      </p:nvGrpSpPr>
-      <p:grpSpPr>
-        <a:xfrm>
-          <a:off x="0" y="0"/>
-          <a:ext cx="0" cy="0"/>
-          <a:chOff x="0" y="0"/>
-          <a:chExt cx="0" cy="0"/>
-        </a:xfrm>
-      </p:grpSpPr>
-      <p:sp>
-        <p:nvSpPr>
-          <p:cNvPr id="2" name="Slide Image Placeholder 1"/>
-          <p:cNvSpPr>
-            <a:spLocks noGrp="1" noRot="1" noChangeAspect="1"/>
-          </p:cNvSpPr>
-          <p:nvPr>
-            <p:ph type="sldImg"/>
-          </p:nvPr>
-        </p:nvSpPr>
-        <p:spPr/>
-      </p:sp>
-      <p:sp>
-        <p:nvSpPr>
-          <p:cNvPr id="3" name="Notes Placeholder 2"/>
-          <p:cNvSpPr>
-            <a:spLocks noGrp="1"/>
-          </p:cNvSpPr>
-          <p:nvPr>
-            <p:ph type="body" idx="1"/>
-          </p:nvPr>
-        </p:nvSpPr>
-        <p:spPr/>
-        <p:txBody>
-          <a:bodyPr/>
-          <a:lstStyle/>
-          <a:p>
-            <a:pPr marL="0" indent="0">
-              <a:buNone/>
-            </a:pPr>
-            <a:endParaRPr lang="en-IN" dirty="0"/>
-          </a:p>
-        </p:txBody>
-      </p:sp>
-      <p:sp>
-        <p:nvSpPr>
-          <p:cNvPr id="4" name="Slide Number Placeholder 3"/>
-          <p:cNvSpPr>
-            <a:spLocks noGrp="1"/>
-          </p:cNvSpPr>
-          <p:nvPr>
-            <p:ph type="sldNum" sz="quarter" idx="10"/>
-          </p:nvPr>
-        </p:nvSpPr>
-        <p:spPr/>
-        <p:txBody>
-          <a:bodyPr/>
-          <a:lstStyle/>
-          <a:p>
-            <a:fld id="{810E1E9A-E921-4174-A0FC-51868D7AC568}" type="slidenum">
-              <a:rPr lang="en-US" smtClean="0"/>
-              <a:t>52</a:t>
-            </a:fld>
-            <a:endParaRPr lang="en-US" dirty="0"/>
-          </a:p>
-        </p:txBody>
-      </p:sp>
-    </p:spTree>
-    <p:extLst>
-      <p:ext uri="{BB962C8B-B14F-4D97-AF65-F5344CB8AC3E}">
         <p14:creationId xmlns:p14="http://schemas.microsoft.com/office/powerpoint/2010/main" val="1032625240"/>
-      </p:ext>
-    </p:extLst>
-  </p:cSld>
-  <p:clrMapOvr>
-    <a:masterClrMapping/>
-  </p:clrMapOvr>
-</p:notes>
-</file>
-
-<file path=ppt/notesSlides/notesSlide34.xml><?xml version="1.0" encoding="utf-8"?>
-<p:notes xmlns:a="http://schemas.openxmlformats.org/drawingml/2006/main" xmlns:r="http://schemas.openxmlformats.org/officeDocument/2006/relationships" xmlns:p="http://schemas.openxmlformats.org/presentationml/2006/main">
-  <p:cSld>
-    <p:spTree>
-      <p:nvGrpSpPr>
-        <p:cNvPr id="1" name=""/>
-        <p:cNvGrpSpPr/>
-        <p:nvPr/>
-      </p:nvGrpSpPr>
-      <p:grpSpPr>
-        <a:xfrm>
-          <a:off x="0" y="0"/>
-          <a:ext cx="0" cy="0"/>
-          <a:chOff x="0" y="0"/>
-          <a:chExt cx="0" cy="0"/>
-        </a:xfrm>
-      </p:grpSpPr>
-      <p:sp>
-        <p:nvSpPr>
-          <p:cNvPr id="2" name="Slide Image Placeholder 1"/>
-          <p:cNvSpPr>
-            <a:spLocks noGrp="1" noRot="1" noChangeAspect="1"/>
-          </p:cNvSpPr>
-          <p:nvPr>
-            <p:ph type="sldImg"/>
-          </p:nvPr>
-        </p:nvSpPr>
-        <p:spPr/>
-      </p:sp>
-      <p:sp>
-        <p:nvSpPr>
-          <p:cNvPr id="3" name="Notes Placeholder 2"/>
-          <p:cNvSpPr>
-            <a:spLocks noGrp="1"/>
-          </p:cNvSpPr>
-          <p:nvPr>
-            <p:ph type="body" idx="1"/>
-          </p:nvPr>
-        </p:nvSpPr>
-        <p:spPr/>
-        <p:txBody>
-          <a:bodyPr/>
-          <a:lstStyle/>
-          <a:p>
-            <a:pPr marL="0" indent="0">
-              <a:buNone/>
-            </a:pPr>
-            <a:endParaRPr lang="en-IN" dirty="0"/>
-          </a:p>
-        </p:txBody>
-      </p:sp>
-      <p:sp>
-        <p:nvSpPr>
-          <p:cNvPr id="4" name="Slide Number Placeholder 3"/>
-          <p:cNvSpPr>
-            <a:spLocks noGrp="1"/>
-          </p:cNvSpPr>
-          <p:nvPr>
-            <p:ph type="sldNum" sz="quarter" idx="10"/>
-          </p:nvPr>
-        </p:nvSpPr>
-        <p:spPr/>
-        <p:txBody>
-          <a:bodyPr/>
-          <a:lstStyle/>
-          <a:p>
-            <a:fld id="{810E1E9A-E921-4174-A0FC-51868D7AC568}" type="slidenum">
-              <a:rPr lang="en-US" smtClean="0"/>
-              <a:t>53</a:t>
-            </a:fld>
-            <a:endParaRPr lang="en-US" dirty="0"/>
-          </a:p>
-        </p:txBody>
-      </p:sp>
-    </p:spTree>
-    <p:extLst>
-      <p:ext uri="{BB962C8B-B14F-4D97-AF65-F5344CB8AC3E}">
-        <p14:creationId xmlns:p14="http://schemas.microsoft.com/office/powerpoint/2010/main" val="3239776801"/>
       </p:ext>
     </p:extLst>
   </p:cSld>
@@ -4443,7 +4164,7 @@
           <a:p>
             <a:fld id="{84EAB7D7-3608-4730-B2E2-670834DF882C}" type="datetimeFigureOut">
               <a:rPr lang="en-US" smtClean="0"/>
-              <a:t>8/28/2017</a:t>
+              <a:t>9/7/2017</a:t>
             </a:fld>
             <a:endParaRPr lang="en-US" dirty="0"/>
           </a:p>
@@ -4633,7 +4354,7 @@
           <a:p>
             <a:fld id="{84EAB7D7-3608-4730-B2E2-670834DF882C}" type="datetimeFigureOut">
               <a:rPr lang="en-US" smtClean="0"/>
-              <a:t>8/28/2017</a:t>
+              <a:t>9/7/2017</a:t>
             </a:fld>
             <a:endParaRPr lang="en-US" dirty="0"/>
           </a:p>
@@ -4828,7 +4549,7 @@
           <a:p>
             <a:fld id="{84EAB7D7-3608-4730-B2E2-670834DF882C}" type="datetimeFigureOut">
               <a:rPr lang="en-US" smtClean="0"/>
-              <a:t>8/28/2017</a:t>
+              <a:t>9/7/2017</a:t>
             </a:fld>
             <a:endParaRPr lang="en-US" dirty="0"/>
           </a:p>
@@ -5100,7 +4821,7 @@
           <a:p>
             <a:fld id="{84EAB7D7-3608-4730-B2E2-670834DF882C}" type="datetimeFigureOut">
               <a:rPr lang="en-US" smtClean="0"/>
-              <a:t>8/28/2017</a:t>
+              <a:t>9/7/2017</a:t>
             </a:fld>
             <a:endParaRPr lang="en-US" dirty="0"/>
           </a:p>
@@ -5285,7 +5006,7 @@
           <a:p>
             <a:fld id="{84EAB7D7-3608-4730-B2E2-670834DF882C}" type="datetimeFigureOut">
               <a:rPr lang="en-US" smtClean="0"/>
-              <a:t>8/28/2017</a:t>
+              <a:t>9/7/2017</a:t>
             </a:fld>
             <a:endParaRPr lang="en-US" dirty="0"/>
           </a:p>
@@ -5492,7 +5213,7 @@
           <a:p>
             <a:fld id="{84EAB7D7-3608-4730-B2E2-670834DF882C}" type="datetimeFigureOut">
               <a:rPr lang="en-US" smtClean="0"/>
-              <a:t>8/28/2017</a:t>
+              <a:t>9/7/2017</a:t>
             </a:fld>
             <a:endParaRPr lang="en-US" dirty="0"/>
           </a:p>
@@ -5795,7 +5516,7 @@
           <a:p>
             <a:fld id="{84EAB7D7-3608-4730-B2E2-670834DF882C}" type="datetimeFigureOut">
               <a:rPr lang="en-US" smtClean="0"/>
-              <a:t>8/28/2017</a:t>
+              <a:t>9/7/2017</a:t>
             </a:fld>
             <a:endParaRPr lang="en-US" dirty="0"/>
           </a:p>
@@ -6253,7 +5974,7 @@
           <a:p>
             <a:fld id="{84EAB7D7-3608-4730-B2E2-670834DF882C}" type="datetimeFigureOut">
               <a:rPr lang="en-US" smtClean="0"/>
-              <a:t>8/28/2017</a:t>
+              <a:t>9/7/2017</a:t>
             </a:fld>
             <a:endParaRPr lang="en-US" dirty="0"/>
           </a:p>
@@ -6386,7 +6107,7 @@
           <a:p>
             <a:fld id="{84EAB7D7-3608-4730-B2E2-670834DF882C}" type="datetimeFigureOut">
               <a:rPr lang="en-US" smtClean="0"/>
-              <a:t>8/28/2017</a:t>
+              <a:t>9/7/2017</a:t>
             </a:fld>
             <a:endParaRPr lang="en-US" dirty="0"/>
           </a:p>
@@ -6496,7 +6217,7 @@
           <a:p>
             <a:fld id="{84EAB7D7-3608-4730-B2E2-670834DF882C}" type="datetimeFigureOut">
               <a:rPr lang="en-US" smtClean="0"/>
-              <a:t>8/28/2017</a:t>
+              <a:t>9/7/2017</a:t>
             </a:fld>
             <a:endParaRPr lang="en-US" dirty="0"/>
           </a:p>
@@ -6788,7 +6509,7 @@
           <a:p>
             <a:fld id="{84EAB7D7-3608-4730-B2E2-670834DF882C}" type="datetimeFigureOut">
               <a:rPr lang="en-US" smtClean="0"/>
-              <a:t>8/28/2017</a:t>
+              <a:t>9/7/2017</a:t>
             </a:fld>
             <a:endParaRPr lang="en-US" dirty="0"/>
           </a:p>
@@ -7060,7 +6781,7 @@
           <a:p>
             <a:fld id="{84EAB7D7-3608-4730-B2E2-670834DF882C}" type="datetimeFigureOut">
               <a:rPr lang="en-US" smtClean="0"/>
-              <a:t>8/28/2017</a:t>
+              <a:t>9/7/2017</a:t>
             </a:fld>
             <a:endParaRPr lang="en-US" dirty="0"/>
           </a:p>
@@ -7299,7 +7020,7 @@
             <a:fld id="{84EAB7D7-3608-4730-B2E2-670834DF882C}" type="datetimeFigureOut">
               <a:rPr lang="en-US" smtClean="0"/>
               <a:pPr/>
-              <a:t>8/28/2017</a:t>
+              <a:t>9/7/2017</a:t>
             </a:fld>
             <a:endParaRPr lang="en-US" dirty="0"/>
           </a:p>
@@ -20492,6 +20213,96 @@
           <a:bodyPr/>
           <a:lstStyle/>
           <a:p>
+            <a:r>
+              <a:rPr lang="en-IN" sz="1800" b="1" dirty="0"/>
+              <a:t>Swarm </a:t>
+            </a:r>
+            <a:r>
+              <a:rPr lang="en-IN" sz="1800" b="1" dirty="0" smtClean="0"/>
+              <a:t>clusters</a:t>
+            </a:r>
+          </a:p>
+          <a:p>
+            <a:endParaRPr lang="en-IN" sz="1800" b="1" dirty="0"/>
+          </a:p>
+          <a:p>
+            <a:pPr algn="l"/>
+            <a:r>
+              <a:rPr lang="en-IN" sz="1800" dirty="0"/>
+              <a:t>A swarm is a group of machines that are running Docker and joined into a cluster.</a:t>
+            </a:r>
+          </a:p>
+          <a:p>
+            <a:pPr algn="l"/>
+            <a:endParaRPr lang="en-US" sz="1800" dirty="0" smtClean="0"/>
+          </a:p>
+          <a:p>
+            <a:pPr algn="l"/>
+            <a:r>
+              <a:rPr lang="en-IN" sz="1800" b="1" dirty="0"/>
+              <a:t>swarm </a:t>
+            </a:r>
+            <a:r>
+              <a:rPr lang="en-IN" sz="1800" b="1" dirty="0" smtClean="0"/>
+              <a:t>manager - </a:t>
+            </a:r>
+            <a:r>
+              <a:rPr lang="en-IN" sz="1800" dirty="0"/>
+              <a:t>Swarm managers are the only machines in a swarm that can execute your commands</a:t>
+            </a:r>
+            <a:endParaRPr lang="en-IN" sz="1800" b="1" dirty="0" smtClean="0"/>
+          </a:p>
+          <a:p>
+            <a:pPr algn="l"/>
+            <a:r>
+              <a:rPr lang="en-IN" sz="1800" b="1" dirty="0" smtClean="0"/>
+              <a:t>Nodes - </a:t>
+            </a:r>
+            <a:r>
+              <a:rPr lang="en-IN" sz="1800" dirty="0"/>
+              <a:t>swarm </a:t>
+            </a:r>
+            <a:r>
+              <a:rPr lang="en-IN" sz="1800" dirty="0" smtClean="0"/>
+              <a:t>as </a:t>
+            </a:r>
+            <a:r>
+              <a:rPr lang="en-IN" sz="1800" b="1" dirty="0"/>
+              <a:t>workers</a:t>
+            </a:r>
+            <a:r>
+              <a:rPr lang="en-IN" sz="1800" dirty="0" smtClean="0"/>
+              <a:t>. </a:t>
+            </a:r>
+            <a:r>
+              <a:rPr lang="en-IN" sz="1800" dirty="0"/>
+              <a:t>Workers are just there to provide capacity and do not have the authority to tell any other machine what it can and cannot </a:t>
+            </a:r>
+            <a:r>
+              <a:rPr lang="en-IN" sz="1800" dirty="0" smtClean="0"/>
+              <a:t>do</a:t>
+            </a:r>
+          </a:p>
+          <a:p>
+            <a:pPr algn="l"/>
+            <a:r>
+              <a:rPr lang="en-IN" sz="1800" dirty="0" smtClean="0"/>
+              <a:t>A </a:t>
+            </a:r>
+            <a:r>
+              <a:rPr lang="en-IN" sz="1800" dirty="0"/>
+              <a:t>swarm is made up of multiple nodes, which can be either physical or virtual machines</a:t>
+            </a:r>
+            <a:r>
+              <a:rPr lang="en-IN" sz="1800" dirty="0" smtClean="0"/>
+              <a:t>.</a:t>
+            </a:r>
+          </a:p>
+          <a:p>
+            <a:pPr algn="l"/>
+            <a:endParaRPr lang="en-IN" sz="1800" dirty="0"/>
+          </a:p>
+          <a:p>
             <a:pPr algn="l"/>
             <a:endParaRPr lang="en-US" sz="1800" dirty="0"/>
           </a:p>
@@ -20500,7 +20311,7 @@
     </p:spTree>
     <p:extLst>
       <p:ext uri="{BB962C8B-B14F-4D97-AF65-F5344CB8AC3E}">
-        <p14:creationId xmlns:p14="http://schemas.microsoft.com/office/powerpoint/2010/main" val="4155051147"/>
+        <p14:creationId xmlns:p14="http://schemas.microsoft.com/office/powerpoint/2010/main" val="1580153800"/>
       </p:ext>
     </p:extLst>
   </p:cSld>
@@ -20808,26 +20619,621 @@
           <a:lstStyle/>
           <a:p>
             <a:r>
-              <a:rPr lang="en-US" dirty="0"/>
-              <a:t>The underlying </a:t>
-            </a:r>
-            <a:r>
-              <a:rPr lang="en-US" dirty="0" smtClean="0"/>
-              <a:t>technology</a:t>
-            </a:r>
-          </a:p>
-          <a:p>
-            <a:endParaRPr lang="en-US" dirty="0"/>
-          </a:p>
-          <a:p>
-            <a:endParaRPr lang="en-US" dirty="0"/>
-          </a:p>
-        </p:txBody>
-      </p:sp>
+              <a:rPr lang="en-US" sz="1800" b="1" dirty="0"/>
+              <a:t>Docker Swarm Architecture </a:t>
+            </a:r>
+          </a:p>
+          <a:p>
+            <a:endParaRPr lang="en-US" sz="1800" b="1" dirty="0"/>
+          </a:p>
+        </p:txBody>
+      </p:sp>
+      <p:sp>
+        <p:nvSpPr>
+          <p:cNvPr id="2" name="Rectangle 1"/>
+          <p:cNvSpPr/>
+          <p:nvPr/>
+        </p:nvSpPr>
+        <p:spPr>
+          <a:xfrm>
+            <a:off x="3994441" y="955958"/>
+            <a:ext cx="2355273" cy="1745673"/>
+          </a:xfrm>
+          <a:prstGeom prst="rect">
+            <a:avLst/>
+          </a:prstGeom>
+          <a:ln>
+            <a:noFill/>
+          </a:ln>
+        </p:spPr>
+        <p:style>
+          <a:lnRef idx="1">
+            <a:schemeClr val="accent2"/>
+          </a:lnRef>
+          <a:fillRef idx="2">
+            <a:schemeClr val="accent2"/>
+          </a:fillRef>
+          <a:effectRef idx="1">
+            <a:schemeClr val="accent2"/>
+          </a:effectRef>
+          <a:fontRef idx="minor">
+            <a:schemeClr val="dk1"/>
+          </a:fontRef>
+        </p:style>
+        <p:txBody>
+          <a:bodyPr rtlCol="0" anchor="t"/>
+          <a:lstStyle/>
+          <a:p>
+            <a:pPr algn="ctr"/>
+            <a:r>
+              <a:rPr lang="en-IN" dirty="0" smtClean="0"/>
+              <a:t>Swarm Manager</a:t>
+            </a:r>
+            <a:endParaRPr lang="en-IN" dirty="0"/>
+          </a:p>
+        </p:txBody>
+      </p:sp>
+      <p:sp>
+        <p:nvSpPr>
+          <p:cNvPr id="4" name="Rounded Rectangle 3"/>
+          <p:cNvSpPr/>
+          <p:nvPr/>
+        </p:nvSpPr>
+        <p:spPr>
+          <a:xfrm>
+            <a:off x="4292313" y="1482430"/>
+            <a:ext cx="1759527" cy="692728"/>
+          </a:xfrm>
+          <a:prstGeom prst="roundRect">
+            <a:avLst/>
+          </a:prstGeom>
+          <a:solidFill>
+            <a:schemeClr val="accent4">
+              <a:lumMod val="20000"/>
+              <a:lumOff val="80000"/>
+            </a:schemeClr>
+          </a:solidFill>
+          <a:ln>
+            <a:noFill/>
+          </a:ln>
+        </p:spPr>
+        <p:style>
+          <a:lnRef idx="1">
+            <a:schemeClr val="accent2"/>
+          </a:lnRef>
+          <a:fillRef idx="2">
+            <a:schemeClr val="accent2"/>
+          </a:fillRef>
+          <a:effectRef idx="1">
+            <a:schemeClr val="accent2"/>
+          </a:effectRef>
+          <a:fontRef idx="minor">
+            <a:schemeClr val="dk1"/>
+          </a:fontRef>
+        </p:style>
+        <p:txBody>
+          <a:bodyPr rtlCol="0" anchor="ctr"/>
+          <a:lstStyle/>
+          <a:p>
+            <a:pPr algn="ctr"/>
+            <a:r>
+              <a:rPr lang="en-IN" dirty="0" smtClean="0"/>
+              <a:t>Discovery Server</a:t>
+            </a:r>
+            <a:endParaRPr lang="en-IN" dirty="0"/>
+          </a:p>
+        </p:txBody>
+      </p:sp>
+      <p:sp>
+        <p:nvSpPr>
+          <p:cNvPr id="5" name="Rectangle 4"/>
+          <p:cNvSpPr/>
+          <p:nvPr/>
+        </p:nvSpPr>
+        <p:spPr>
+          <a:xfrm>
+            <a:off x="1560370" y="4585834"/>
+            <a:ext cx="2355273" cy="1745673"/>
+          </a:xfrm>
+          <a:prstGeom prst="rect">
+            <a:avLst/>
+          </a:prstGeom>
+          <a:ln>
+            <a:noFill/>
+          </a:ln>
+        </p:spPr>
+        <p:style>
+          <a:lnRef idx="1">
+            <a:schemeClr val="accent2"/>
+          </a:lnRef>
+          <a:fillRef idx="2">
+            <a:schemeClr val="accent2"/>
+          </a:fillRef>
+          <a:effectRef idx="1">
+            <a:schemeClr val="accent2"/>
+          </a:effectRef>
+          <a:fontRef idx="minor">
+            <a:schemeClr val="dk1"/>
+          </a:fontRef>
+        </p:style>
+        <p:txBody>
+          <a:bodyPr rtlCol="0" anchor="b"/>
+          <a:lstStyle/>
+          <a:p>
+            <a:pPr algn="ctr"/>
+            <a:r>
+              <a:rPr lang="en-IN" dirty="0" smtClean="0"/>
+              <a:t>Swarm Node</a:t>
+            </a:r>
+            <a:endParaRPr lang="en-IN" dirty="0"/>
+          </a:p>
+        </p:txBody>
+      </p:sp>
+      <p:sp>
+        <p:nvSpPr>
+          <p:cNvPr id="6" name="Rounded Rectangle 5"/>
+          <p:cNvSpPr/>
+          <p:nvPr/>
+        </p:nvSpPr>
+        <p:spPr>
+          <a:xfrm>
+            <a:off x="1858243" y="5056892"/>
+            <a:ext cx="1759527" cy="692728"/>
+          </a:xfrm>
+          <a:prstGeom prst="roundRect">
+            <a:avLst/>
+          </a:prstGeom>
+          <a:solidFill>
+            <a:schemeClr val="accent4">
+              <a:lumMod val="20000"/>
+              <a:lumOff val="80000"/>
+            </a:schemeClr>
+          </a:solidFill>
+          <a:ln>
+            <a:noFill/>
+          </a:ln>
+        </p:spPr>
+        <p:style>
+          <a:lnRef idx="1">
+            <a:schemeClr val="accent2"/>
+          </a:lnRef>
+          <a:fillRef idx="2">
+            <a:schemeClr val="accent2"/>
+          </a:fillRef>
+          <a:effectRef idx="1">
+            <a:schemeClr val="accent2"/>
+          </a:effectRef>
+          <a:fontRef idx="minor">
+            <a:schemeClr val="dk1"/>
+          </a:fontRef>
+        </p:style>
+        <p:txBody>
+          <a:bodyPr rtlCol="0" anchor="ctr"/>
+          <a:lstStyle/>
+          <a:p>
+            <a:pPr algn="ctr"/>
+            <a:r>
+              <a:rPr lang="en-IN" dirty="0" smtClean="0"/>
+              <a:t>Docker</a:t>
+            </a:r>
+            <a:br>
+              <a:rPr lang="en-IN" dirty="0" smtClean="0"/>
+            </a:br>
+            <a:r>
+              <a:rPr lang="en-IN" dirty="0" smtClean="0"/>
+              <a:t>Daemon</a:t>
+            </a:r>
+            <a:endParaRPr lang="en-IN" dirty="0"/>
+          </a:p>
+        </p:txBody>
+      </p:sp>
+      <p:sp>
+        <p:nvSpPr>
+          <p:cNvPr id="7" name="Rectangle 6"/>
+          <p:cNvSpPr/>
+          <p:nvPr/>
+        </p:nvSpPr>
+        <p:spPr>
+          <a:xfrm>
+            <a:off x="4874203" y="4530421"/>
+            <a:ext cx="2355273" cy="1745673"/>
+          </a:xfrm>
+          <a:prstGeom prst="rect">
+            <a:avLst/>
+          </a:prstGeom>
+          <a:ln>
+            <a:noFill/>
+          </a:ln>
+        </p:spPr>
+        <p:style>
+          <a:lnRef idx="1">
+            <a:schemeClr val="accent2"/>
+          </a:lnRef>
+          <a:fillRef idx="2">
+            <a:schemeClr val="accent2"/>
+          </a:fillRef>
+          <a:effectRef idx="1">
+            <a:schemeClr val="accent2"/>
+          </a:effectRef>
+          <a:fontRef idx="minor">
+            <a:schemeClr val="dk1"/>
+          </a:fontRef>
+        </p:style>
+        <p:txBody>
+          <a:bodyPr rot="0" spcFirstLastPara="0" vertOverflow="overflow" horzOverflow="overflow" vert="horz" wrap="square" lIns="91440" tIns="45720" rIns="91440" bIns="45720" numCol="1" spcCol="0" rtlCol="0" fromWordArt="0" anchor="b" anchorCtr="0" forceAA="0" compatLnSpc="1">
+            <a:prstTxWarp prst="textNoShape">
+              <a:avLst/>
+            </a:prstTxWarp>
+            <a:noAutofit/>
+          </a:bodyPr>
+          <a:lstStyle/>
+          <a:p>
+            <a:pPr algn="ctr"/>
+            <a:r>
+              <a:rPr lang="en-IN" dirty="0"/>
+              <a:t>Swarm Node</a:t>
+            </a:r>
+          </a:p>
+        </p:txBody>
+      </p:sp>
+      <p:sp>
+        <p:nvSpPr>
+          <p:cNvPr id="8" name="Rounded Rectangle 7"/>
+          <p:cNvSpPr/>
+          <p:nvPr/>
+        </p:nvSpPr>
+        <p:spPr>
+          <a:xfrm>
+            <a:off x="5216236" y="5056892"/>
+            <a:ext cx="1759527" cy="692728"/>
+          </a:xfrm>
+          <a:prstGeom prst="roundRect">
+            <a:avLst/>
+          </a:prstGeom>
+          <a:solidFill>
+            <a:schemeClr val="accent4">
+              <a:lumMod val="20000"/>
+              <a:lumOff val="80000"/>
+            </a:schemeClr>
+          </a:solidFill>
+          <a:ln>
+            <a:noFill/>
+          </a:ln>
+        </p:spPr>
+        <p:style>
+          <a:lnRef idx="1">
+            <a:schemeClr val="accent2"/>
+          </a:lnRef>
+          <a:fillRef idx="2">
+            <a:schemeClr val="accent2"/>
+          </a:fillRef>
+          <a:effectRef idx="1">
+            <a:schemeClr val="accent2"/>
+          </a:effectRef>
+          <a:fontRef idx="minor">
+            <a:schemeClr val="dk1"/>
+          </a:fontRef>
+        </p:style>
+        <p:txBody>
+          <a:bodyPr rtlCol="0" anchor="ctr"/>
+          <a:lstStyle/>
+          <a:p>
+            <a:pPr algn="ctr"/>
+            <a:r>
+              <a:rPr lang="en-IN" dirty="0"/>
+              <a:t>Docker</a:t>
+            </a:r>
+            <a:br>
+              <a:rPr lang="en-IN" dirty="0"/>
+            </a:br>
+            <a:r>
+              <a:rPr lang="en-IN" dirty="0"/>
+              <a:t>Daemon</a:t>
+            </a:r>
+          </a:p>
+        </p:txBody>
+      </p:sp>
+      <p:sp>
+        <p:nvSpPr>
+          <p:cNvPr id="9" name="Rectangle 8"/>
+          <p:cNvSpPr/>
+          <p:nvPr/>
+        </p:nvSpPr>
+        <p:spPr>
+          <a:xfrm>
+            <a:off x="8188036" y="4599703"/>
+            <a:ext cx="2355273" cy="1745673"/>
+          </a:xfrm>
+          <a:prstGeom prst="rect">
+            <a:avLst/>
+          </a:prstGeom>
+          <a:ln>
+            <a:noFill/>
+          </a:ln>
+        </p:spPr>
+        <p:style>
+          <a:lnRef idx="1">
+            <a:schemeClr val="accent2"/>
+          </a:lnRef>
+          <a:fillRef idx="2">
+            <a:schemeClr val="accent2"/>
+          </a:fillRef>
+          <a:effectRef idx="1">
+            <a:schemeClr val="accent2"/>
+          </a:effectRef>
+          <a:fontRef idx="minor">
+            <a:schemeClr val="dk1"/>
+          </a:fontRef>
+        </p:style>
+        <p:txBody>
+          <a:bodyPr rot="0" spcFirstLastPara="0" vertOverflow="overflow" horzOverflow="overflow" vert="horz" wrap="square" lIns="91440" tIns="45720" rIns="91440" bIns="45720" numCol="1" spcCol="0" rtlCol="0" fromWordArt="0" anchor="b" anchorCtr="0" forceAA="0" compatLnSpc="1">
+            <a:prstTxWarp prst="textNoShape">
+              <a:avLst/>
+            </a:prstTxWarp>
+            <a:noAutofit/>
+          </a:bodyPr>
+          <a:lstStyle/>
+          <a:p>
+            <a:pPr algn="ctr"/>
+            <a:r>
+              <a:rPr lang="en-IN" dirty="0"/>
+              <a:t>Swarm Node</a:t>
+            </a:r>
+          </a:p>
+        </p:txBody>
+      </p:sp>
+      <p:sp>
+        <p:nvSpPr>
+          <p:cNvPr id="10" name="Rounded Rectangle 9"/>
+          <p:cNvSpPr/>
+          <p:nvPr/>
+        </p:nvSpPr>
+        <p:spPr>
+          <a:xfrm>
+            <a:off x="8491973" y="5112306"/>
+            <a:ext cx="1759527" cy="692728"/>
+          </a:xfrm>
+          <a:prstGeom prst="roundRect">
+            <a:avLst/>
+          </a:prstGeom>
+          <a:solidFill>
+            <a:schemeClr val="accent4">
+              <a:lumMod val="20000"/>
+              <a:lumOff val="80000"/>
+            </a:schemeClr>
+          </a:solidFill>
+          <a:ln>
+            <a:noFill/>
+          </a:ln>
+        </p:spPr>
+        <p:style>
+          <a:lnRef idx="1">
+            <a:schemeClr val="accent2"/>
+          </a:lnRef>
+          <a:fillRef idx="2">
+            <a:schemeClr val="accent2"/>
+          </a:fillRef>
+          <a:effectRef idx="1">
+            <a:schemeClr val="accent2"/>
+          </a:effectRef>
+          <a:fontRef idx="minor">
+            <a:schemeClr val="dk1"/>
+          </a:fontRef>
+        </p:style>
+        <p:txBody>
+          <a:bodyPr rtlCol="0" anchor="ctr"/>
+          <a:lstStyle/>
+          <a:p>
+            <a:pPr algn="ctr"/>
+            <a:r>
+              <a:rPr lang="en-IN" dirty="0"/>
+              <a:t>Docker</a:t>
+            </a:r>
+            <a:br>
+              <a:rPr lang="en-IN" dirty="0"/>
+            </a:br>
+            <a:r>
+              <a:rPr lang="en-IN" dirty="0"/>
+              <a:t>Daemon</a:t>
+            </a:r>
+          </a:p>
+        </p:txBody>
+      </p:sp>
+      <p:sp>
+        <p:nvSpPr>
+          <p:cNvPr id="11" name="Rounded Rectangle 10"/>
+          <p:cNvSpPr/>
+          <p:nvPr/>
+        </p:nvSpPr>
+        <p:spPr>
+          <a:xfrm>
+            <a:off x="8995061" y="1482431"/>
+            <a:ext cx="1548248" cy="692728"/>
+          </a:xfrm>
+          <a:prstGeom prst="roundRect">
+            <a:avLst/>
+          </a:prstGeom>
+          <a:ln>
+            <a:noFill/>
+          </a:ln>
+        </p:spPr>
+        <p:style>
+          <a:lnRef idx="1">
+            <a:schemeClr val="accent2"/>
+          </a:lnRef>
+          <a:fillRef idx="2">
+            <a:schemeClr val="accent2"/>
+          </a:fillRef>
+          <a:effectRef idx="1">
+            <a:schemeClr val="accent2"/>
+          </a:effectRef>
+          <a:fontRef idx="minor">
+            <a:schemeClr val="dk1"/>
+          </a:fontRef>
+        </p:style>
+        <p:txBody>
+          <a:bodyPr rtlCol="0" anchor="ctr"/>
+          <a:lstStyle/>
+          <a:p>
+            <a:pPr algn="ctr"/>
+            <a:r>
+              <a:rPr lang="en-IN" dirty="0" smtClean="0"/>
+              <a:t>Docker</a:t>
+            </a:r>
+            <a:br>
+              <a:rPr lang="en-IN" dirty="0" smtClean="0"/>
+            </a:br>
+            <a:r>
+              <a:rPr lang="en-IN" dirty="0" smtClean="0"/>
+              <a:t>Client</a:t>
+            </a:r>
+            <a:endParaRPr lang="en-IN" dirty="0"/>
+          </a:p>
+        </p:txBody>
+      </p:sp>
+      <p:cxnSp>
+        <p:nvCxnSpPr>
+          <p:cNvPr id="13" name="Straight Arrow Connector 12"/>
+          <p:cNvCxnSpPr>
+            <a:stCxn id="11" idx="1"/>
+            <a:endCxn id="2" idx="3"/>
+          </p:cNvCxnSpPr>
+          <p:nvPr/>
+        </p:nvCxnSpPr>
+        <p:spPr>
+          <a:xfrm flipH="1">
+            <a:off x="6349714" y="1828795"/>
+            <a:ext cx="2645347" cy="0"/>
+          </a:xfrm>
+          <a:prstGeom prst="straightConnector1">
+            <a:avLst/>
+          </a:prstGeom>
+          <a:ln>
+            <a:tailEnd type="triangle"/>
+          </a:ln>
+        </p:spPr>
+        <p:style>
+          <a:lnRef idx="1">
+            <a:schemeClr val="accent1"/>
+          </a:lnRef>
+          <a:fillRef idx="0">
+            <a:schemeClr val="accent1"/>
+          </a:fillRef>
+          <a:effectRef idx="0">
+            <a:schemeClr val="accent1"/>
+          </a:effectRef>
+          <a:fontRef idx="minor">
+            <a:schemeClr val="tx1"/>
+          </a:fontRef>
+        </p:style>
+      </p:cxnSp>
+      <p:cxnSp>
+        <p:nvCxnSpPr>
+          <p:cNvPr id="47" name="Elbow Connector 46"/>
+          <p:cNvCxnSpPr/>
+          <p:nvPr/>
+        </p:nvCxnSpPr>
+        <p:spPr>
+          <a:xfrm rot="16200000" flipH="1">
+            <a:off x="4814452" y="3422063"/>
+            <a:ext cx="1704114" cy="387927"/>
+          </a:xfrm>
+          <a:prstGeom prst="bentConnector3">
+            <a:avLst/>
+          </a:prstGeom>
+          <a:ln>
+            <a:tailEnd type="triangle"/>
+          </a:ln>
+        </p:spPr>
+        <p:style>
+          <a:lnRef idx="1">
+            <a:schemeClr val="accent2"/>
+          </a:lnRef>
+          <a:fillRef idx="0">
+            <a:schemeClr val="accent2"/>
+          </a:fillRef>
+          <a:effectRef idx="0">
+            <a:schemeClr val="accent2"/>
+          </a:effectRef>
+          <a:fontRef idx="minor">
+            <a:schemeClr val="tx1"/>
+          </a:fontRef>
+        </p:style>
+      </p:cxnSp>
+      <p:cxnSp>
+        <p:nvCxnSpPr>
+          <p:cNvPr id="48" name="Elbow Connector 47"/>
+          <p:cNvCxnSpPr/>
+          <p:nvPr/>
+        </p:nvCxnSpPr>
+        <p:spPr>
+          <a:xfrm rot="5400000">
+            <a:off x="2895599" y="2957937"/>
+            <a:ext cx="1704115" cy="1316179"/>
+          </a:xfrm>
+          <a:prstGeom prst="bentConnector3">
+            <a:avLst>
+              <a:gd name="adj1" fmla="val 50000"/>
+            </a:avLst>
+          </a:prstGeom>
+          <a:ln>
+            <a:tailEnd type="triangle"/>
+          </a:ln>
+        </p:spPr>
+        <p:style>
+          <a:lnRef idx="1">
+            <a:schemeClr val="accent2"/>
+          </a:lnRef>
+          <a:fillRef idx="0">
+            <a:schemeClr val="accent2"/>
+          </a:fillRef>
+          <a:effectRef idx="0">
+            <a:schemeClr val="accent2"/>
+          </a:effectRef>
+          <a:fontRef idx="minor">
+            <a:schemeClr val="tx1"/>
+          </a:fontRef>
+        </p:style>
+      </p:cxnSp>
+      <p:cxnSp>
+        <p:nvCxnSpPr>
+          <p:cNvPr id="105" name="Elbow Connector 104"/>
+          <p:cNvCxnSpPr/>
+          <p:nvPr/>
+        </p:nvCxnSpPr>
+        <p:spPr>
+          <a:xfrm rot="16200000" flipH="1">
+            <a:off x="6563365" y="2360287"/>
+            <a:ext cx="1828800" cy="2592000"/>
+          </a:xfrm>
+          <a:prstGeom prst="bentConnector3">
+            <a:avLst>
+              <a:gd name="adj1" fmla="val 41058"/>
+            </a:avLst>
+          </a:prstGeom>
+          <a:ln>
+            <a:tailEnd type="triangle"/>
+          </a:ln>
+        </p:spPr>
+        <p:style>
+          <a:lnRef idx="1">
+            <a:schemeClr val="accent2"/>
+          </a:lnRef>
+          <a:fillRef idx="0">
+            <a:schemeClr val="accent2"/>
+          </a:fillRef>
+          <a:effectRef idx="0">
+            <a:schemeClr val="accent2"/>
+          </a:effectRef>
+          <a:fontRef idx="minor">
+            <a:schemeClr val="tx1"/>
+          </a:fontRef>
+        </p:style>
+      </p:cxnSp>
     </p:spTree>
     <p:extLst>
       <p:ext uri="{BB962C8B-B14F-4D97-AF65-F5344CB8AC3E}">
-        <p14:creationId xmlns:p14="http://schemas.microsoft.com/office/powerpoint/2010/main" val="1905225544"/>
+        <p14:creationId xmlns:p14="http://schemas.microsoft.com/office/powerpoint/2010/main" val="257405500"/>
       </p:ext>
     </p:extLst>
   </p:cSld>
@@ -20893,24 +21299,69 @@
           <a:bodyPr/>
           <a:lstStyle/>
           <a:p>
-            <a:r>
-              <a:rPr lang="en-IN" sz="1800" b="1" dirty="0"/>
-              <a:t>Swarm </a:t>
-            </a:r>
-            <a:r>
-              <a:rPr lang="en-IN" sz="1800" b="1" dirty="0" smtClean="0"/>
-              <a:t>clusters</a:t>
-            </a:r>
-          </a:p>
-          <a:p>
-            <a:endParaRPr lang="en-IN" sz="1800" b="1" dirty="0"/>
-          </a:p>
-          <a:p>
             <a:pPr algn="l"/>
+            <a:endParaRPr lang="en-IN" sz="1800" dirty="0" smtClean="0"/>
+          </a:p>
+          <a:p>
+            <a:pPr algn="l"/>
+            <a:endParaRPr lang="en-IN" sz="1800" dirty="0"/>
+          </a:p>
+          <a:p>
+            <a:pPr algn="l"/>
+            <a:r>
+              <a:rPr lang="en-IN" sz="1800" dirty="0" smtClean="0"/>
+              <a:t>A </a:t>
+            </a:r>
             <a:r>
               <a:rPr lang="en-IN" sz="1800" dirty="0"/>
-              <a:t>A swarm is a group of machines that are running Docker and joined into a cluster.</a:t>
-            </a:r>
+              <a:t>swarm is made up of multiple nodes, which can be either physical or virtual machines</a:t>
+            </a:r>
+            <a:r>
+              <a:rPr lang="en-IN" sz="1800" dirty="0" smtClean="0"/>
+              <a:t>.</a:t>
+            </a:r>
+          </a:p>
+          <a:p>
+            <a:pPr algn="l"/>
+            <a:endParaRPr lang="en-IN" sz="1800" dirty="0"/>
+          </a:p>
+          <a:p>
+            <a:pPr algn="l"/>
+            <a:r>
+              <a:rPr lang="en-US" sz="1800" dirty="0"/>
+              <a:t>docker swarm </a:t>
+            </a:r>
+            <a:r>
+              <a:rPr lang="en-US" sz="1800" dirty="0" smtClean="0"/>
+              <a:t>init command  - </a:t>
+            </a:r>
+            <a:r>
+              <a:rPr lang="en-IN" sz="1800" dirty="0"/>
+              <a:t>enable swarm mode and make your current machine a swarm </a:t>
+            </a:r>
+            <a:r>
+              <a:rPr lang="en-IN" sz="1800" dirty="0" smtClean="0"/>
+              <a:t>manager</a:t>
+            </a:r>
+          </a:p>
+          <a:p>
+            <a:pPr algn="l"/>
+            <a:endParaRPr lang="en-IN" sz="1800" dirty="0"/>
+          </a:p>
+          <a:p>
+            <a:pPr algn="l"/>
+            <a:r>
+              <a:rPr lang="en-US" sz="1800" dirty="0"/>
+              <a:t>docker swarm join </a:t>
+            </a:r>
+            <a:r>
+              <a:rPr lang="en-US" sz="1800" dirty="0" smtClean="0"/>
+              <a:t>command – Other machines to have them join the swam as worker</a:t>
+            </a:r>
+          </a:p>
+          <a:p>
+            <a:pPr algn="l"/>
+            <a:endParaRPr lang="en-US" sz="1800" dirty="0"/>
           </a:p>
           <a:p>
             <a:pPr algn="l"/>
@@ -20918,69 +21369,7 @@
           </a:p>
           <a:p>
             <a:pPr algn="l"/>
-            <a:r>
-              <a:rPr lang="en-IN" sz="1800" b="1" dirty="0"/>
-              <a:t>swarm </a:t>
-            </a:r>
-            <a:r>
-              <a:rPr lang="en-IN" sz="1800" b="1" dirty="0" smtClean="0"/>
-              <a:t>manager - </a:t>
-            </a:r>
-            <a:r>
-              <a:rPr lang="en-IN" sz="1800" dirty="0"/>
-              <a:t>Swarm managers are the only machines in a swarm that can execute your commands</a:t>
-            </a:r>
-            <a:endParaRPr lang="en-IN" sz="1800" b="1" dirty="0" smtClean="0"/>
-          </a:p>
-          <a:p>
-            <a:pPr algn="l"/>
-            <a:r>
-              <a:rPr lang="en-IN" sz="1800" b="1" dirty="0" smtClean="0"/>
-              <a:t>Nodes - </a:t>
-            </a:r>
-            <a:r>
-              <a:rPr lang="en-IN" sz="1800" dirty="0"/>
-              <a:t>swarm </a:t>
-            </a:r>
-            <a:r>
-              <a:rPr lang="en-IN" sz="1800" dirty="0" smtClean="0"/>
-              <a:t>as </a:t>
-            </a:r>
-            <a:r>
-              <a:rPr lang="en-IN" sz="1800" b="1" dirty="0"/>
-              <a:t>workers</a:t>
-            </a:r>
-            <a:r>
-              <a:rPr lang="en-IN" sz="1800" dirty="0" smtClean="0"/>
-              <a:t>. </a:t>
-            </a:r>
-            <a:r>
-              <a:rPr lang="en-IN" sz="1800" dirty="0"/>
-              <a:t>Workers are just there to provide capacity and do not have the authority to tell any other machine what it can and cannot </a:t>
-            </a:r>
-            <a:r>
-              <a:rPr lang="en-IN" sz="1800" dirty="0" smtClean="0"/>
-              <a:t>do</a:t>
-            </a:r>
-          </a:p>
-          <a:p>
-            <a:pPr algn="l"/>
-            <a:r>
-              <a:rPr lang="en-IN" sz="1800" dirty="0" smtClean="0"/>
-              <a:t>A </a:t>
-            </a:r>
-            <a:r>
-              <a:rPr lang="en-IN" sz="1800" dirty="0"/>
-              <a:t>swarm is made up of multiple nodes, which can be either physical or virtual machines</a:t>
-            </a:r>
-            <a:r>
-              <a:rPr lang="en-IN" sz="1800" dirty="0" smtClean="0"/>
-              <a:t>.</a:t>
-            </a:r>
-          </a:p>
-          <a:p>
-            <a:pPr algn="l"/>
-            <a:endParaRPr lang="en-IN" sz="1800" dirty="0"/>
+            <a:endParaRPr lang="en-US" sz="1800" dirty="0"/>
           </a:p>
           <a:p>
             <a:pPr algn="l"/>
@@ -20991,7 +21380,7 @@
     </p:spTree>
     <p:extLst>
       <p:ext uri="{BB962C8B-B14F-4D97-AF65-F5344CB8AC3E}">
-        <p14:creationId xmlns:p14="http://schemas.microsoft.com/office/powerpoint/2010/main" val="1580153800"/>
+        <p14:creationId xmlns:p14="http://schemas.microsoft.com/office/powerpoint/2010/main" val="3505625127"/>
       </p:ext>
     </p:extLst>
   </p:cSld>
@@ -21049,7 +21438,7 @@
         </p:nvSpPr>
         <p:spPr>
           <a:xfrm>
-            <a:off x="0" y="0"/>
+            <a:off x="0" y="207818"/>
             <a:ext cx="12192000" cy="6858000"/>
           </a:xfrm>
         </p:spPr>
@@ -21060,621 +21449,93 @@
           <a:lstStyle/>
           <a:p>
             <a:r>
-              <a:rPr lang="en-US" sz="1800" b="1" dirty="0"/>
-              <a:t>Docker Swarm Architecture </a:t>
-            </a:r>
-          </a:p>
-          <a:p>
-            <a:endParaRPr lang="en-US" sz="1800" b="1" dirty="0"/>
-          </a:p>
-        </p:txBody>
-      </p:sp>
-      <p:sp>
-        <p:nvSpPr>
-          <p:cNvPr id="2" name="Rectangle 1"/>
-          <p:cNvSpPr/>
-          <p:nvPr/>
-        </p:nvSpPr>
-        <p:spPr>
-          <a:xfrm>
-            <a:off x="3994441" y="955958"/>
-            <a:ext cx="2355273" cy="1745673"/>
-          </a:xfrm>
-          <a:prstGeom prst="rect">
-            <a:avLst/>
-          </a:prstGeom>
-          <a:ln>
-            <a:noFill/>
-          </a:ln>
-        </p:spPr>
-        <p:style>
-          <a:lnRef idx="1">
-            <a:schemeClr val="accent2"/>
-          </a:lnRef>
-          <a:fillRef idx="2">
-            <a:schemeClr val="accent2"/>
-          </a:fillRef>
-          <a:effectRef idx="1">
-            <a:schemeClr val="accent2"/>
-          </a:effectRef>
-          <a:fontRef idx="minor">
-            <a:schemeClr val="dk1"/>
-          </a:fontRef>
-        </p:style>
-        <p:txBody>
-          <a:bodyPr rtlCol="0" anchor="t"/>
-          <a:lstStyle/>
-          <a:p>
-            <a:pPr algn="ctr"/>
-            <a:r>
-              <a:rPr lang="en-IN" dirty="0" smtClean="0"/>
-              <a:t>Swarm Manager</a:t>
-            </a:r>
-            <a:endParaRPr lang="en-IN" dirty="0"/>
-          </a:p>
-        </p:txBody>
-      </p:sp>
-      <p:sp>
-        <p:nvSpPr>
-          <p:cNvPr id="4" name="Rounded Rectangle 3"/>
-          <p:cNvSpPr/>
-          <p:nvPr/>
-        </p:nvSpPr>
-        <p:spPr>
-          <a:xfrm>
-            <a:off x="4292313" y="1482430"/>
-            <a:ext cx="1759527" cy="692728"/>
-          </a:xfrm>
-          <a:prstGeom prst="roundRect">
-            <a:avLst/>
-          </a:prstGeom>
-          <a:solidFill>
-            <a:schemeClr val="accent4">
-              <a:lumMod val="20000"/>
-              <a:lumOff val="80000"/>
-            </a:schemeClr>
-          </a:solidFill>
-          <a:ln>
-            <a:noFill/>
-          </a:ln>
-        </p:spPr>
-        <p:style>
-          <a:lnRef idx="1">
-            <a:schemeClr val="accent2"/>
-          </a:lnRef>
-          <a:fillRef idx="2">
-            <a:schemeClr val="accent2"/>
-          </a:fillRef>
-          <a:effectRef idx="1">
-            <a:schemeClr val="accent2"/>
-          </a:effectRef>
-          <a:fontRef idx="minor">
-            <a:schemeClr val="dk1"/>
-          </a:fontRef>
-        </p:style>
-        <p:txBody>
-          <a:bodyPr rtlCol="0" anchor="ctr"/>
-          <a:lstStyle/>
-          <a:p>
-            <a:pPr algn="ctr"/>
-            <a:r>
-              <a:rPr lang="en-IN" dirty="0" smtClean="0"/>
-              <a:t>Discovery Server</a:t>
-            </a:r>
-            <a:endParaRPr lang="en-IN" dirty="0"/>
-          </a:p>
-        </p:txBody>
-      </p:sp>
-      <p:sp>
-        <p:nvSpPr>
-          <p:cNvPr id="5" name="Rectangle 4"/>
-          <p:cNvSpPr/>
-          <p:nvPr/>
-        </p:nvSpPr>
-        <p:spPr>
-          <a:xfrm>
-            <a:off x="1560370" y="4585834"/>
-            <a:ext cx="2355273" cy="1745673"/>
-          </a:xfrm>
-          <a:prstGeom prst="rect">
-            <a:avLst/>
-          </a:prstGeom>
-          <a:ln>
-            <a:noFill/>
-          </a:ln>
-        </p:spPr>
-        <p:style>
-          <a:lnRef idx="1">
-            <a:schemeClr val="accent2"/>
-          </a:lnRef>
-          <a:fillRef idx="2">
-            <a:schemeClr val="accent2"/>
-          </a:fillRef>
-          <a:effectRef idx="1">
-            <a:schemeClr val="accent2"/>
-          </a:effectRef>
-          <a:fontRef idx="minor">
-            <a:schemeClr val="dk1"/>
-          </a:fontRef>
-        </p:style>
-        <p:txBody>
-          <a:bodyPr rtlCol="0" anchor="b"/>
-          <a:lstStyle/>
-          <a:p>
-            <a:pPr algn="ctr"/>
-            <a:r>
-              <a:rPr lang="en-IN" dirty="0" smtClean="0"/>
-              <a:t>Swarm Node</a:t>
-            </a:r>
-            <a:endParaRPr lang="en-IN" dirty="0"/>
-          </a:p>
-        </p:txBody>
-      </p:sp>
-      <p:sp>
-        <p:nvSpPr>
-          <p:cNvPr id="6" name="Rounded Rectangle 5"/>
-          <p:cNvSpPr/>
-          <p:nvPr/>
-        </p:nvSpPr>
-        <p:spPr>
-          <a:xfrm>
-            <a:off x="1858243" y="5056892"/>
-            <a:ext cx="1759527" cy="692728"/>
-          </a:xfrm>
-          <a:prstGeom prst="roundRect">
-            <a:avLst/>
-          </a:prstGeom>
-          <a:solidFill>
-            <a:schemeClr val="accent4">
-              <a:lumMod val="20000"/>
-              <a:lumOff val="80000"/>
-            </a:schemeClr>
-          </a:solidFill>
-          <a:ln>
-            <a:noFill/>
-          </a:ln>
-        </p:spPr>
-        <p:style>
-          <a:lnRef idx="1">
-            <a:schemeClr val="accent2"/>
-          </a:lnRef>
-          <a:fillRef idx="2">
-            <a:schemeClr val="accent2"/>
-          </a:fillRef>
-          <a:effectRef idx="1">
-            <a:schemeClr val="accent2"/>
-          </a:effectRef>
-          <a:fontRef idx="minor">
-            <a:schemeClr val="dk1"/>
-          </a:fontRef>
-        </p:style>
-        <p:txBody>
-          <a:bodyPr rtlCol="0" anchor="ctr"/>
-          <a:lstStyle/>
-          <a:p>
-            <a:pPr algn="ctr"/>
-            <a:r>
-              <a:rPr lang="en-IN" dirty="0" smtClean="0"/>
-              <a:t>Docker</a:t>
-            </a:r>
-            <a:br>
-              <a:rPr lang="en-IN" dirty="0" smtClean="0"/>
-            </a:br>
-            <a:r>
-              <a:rPr lang="en-IN" dirty="0" smtClean="0"/>
-              <a:t>Daemon</a:t>
-            </a:r>
-            <a:endParaRPr lang="en-IN" dirty="0"/>
-          </a:p>
-        </p:txBody>
-      </p:sp>
-      <p:sp>
-        <p:nvSpPr>
-          <p:cNvPr id="7" name="Rectangle 6"/>
-          <p:cNvSpPr/>
-          <p:nvPr/>
-        </p:nvSpPr>
-        <p:spPr>
-          <a:xfrm>
-            <a:off x="4874203" y="4530421"/>
-            <a:ext cx="2355273" cy="1745673"/>
-          </a:xfrm>
-          <a:prstGeom prst="rect">
-            <a:avLst/>
-          </a:prstGeom>
-          <a:ln>
-            <a:noFill/>
-          </a:ln>
-        </p:spPr>
-        <p:style>
-          <a:lnRef idx="1">
-            <a:schemeClr val="accent2"/>
-          </a:lnRef>
-          <a:fillRef idx="2">
-            <a:schemeClr val="accent2"/>
-          </a:fillRef>
-          <a:effectRef idx="1">
-            <a:schemeClr val="accent2"/>
-          </a:effectRef>
-          <a:fontRef idx="minor">
-            <a:schemeClr val="dk1"/>
-          </a:fontRef>
-        </p:style>
-        <p:txBody>
-          <a:bodyPr rot="0" spcFirstLastPara="0" vertOverflow="overflow" horzOverflow="overflow" vert="horz" wrap="square" lIns="91440" tIns="45720" rIns="91440" bIns="45720" numCol="1" spcCol="0" rtlCol="0" fromWordArt="0" anchor="b" anchorCtr="0" forceAA="0" compatLnSpc="1">
-            <a:prstTxWarp prst="textNoShape">
-              <a:avLst/>
-            </a:prstTxWarp>
-            <a:noAutofit/>
-          </a:bodyPr>
-          <a:lstStyle/>
-          <a:p>
-            <a:pPr algn="ctr"/>
-            <a:r>
-              <a:rPr lang="en-IN" dirty="0"/>
-              <a:t>Swarm Node</a:t>
-            </a:r>
-          </a:p>
-        </p:txBody>
-      </p:sp>
-      <p:sp>
-        <p:nvSpPr>
-          <p:cNvPr id="8" name="Rounded Rectangle 7"/>
-          <p:cNvSpPr/>
-          <p:nvPr/>
-        </p:nvSpPr>
-        <p:spPr>
-          <a:xfrm>
-            <a:off x="5216236" y="5056892"/>
-            <a:ext cx="1759527" cy="692728"/>
-          </a:xfrm>
-          <a:prstGeom prst="roundRect">
-            <a:avLst/>
-          </a:prstGeom>
-          <a:solidFill>
-            <a:schemeClr val="accent4">
-              <a:lumMod val="20000"/>
-              <a:lumOff val="80000"/>
-            </a:schemeClr>
-          </a:solidFill>
-          <a:ln>
-            <a:noFill/>
-          </a:ln>
-        </p:spPr>
-        <p:style>
-          <a:lnRef idx="1">
-            <a:schemeClr val="accent2"/>
-          </a:lnRef>
-          <a:fillRef idx="2">
-            <a:schemeClr val="accent2"/>
-          </a:fillRef>
-          <a:effectRef idx="1">
-            <a:schemeClr val="accent2"/>
-          </a:effectRef>
-          <a:fontRef idx="minor">
-            <a:schemeClr val="dk1"/>
-          </a:fontRef>
-        </p:style>
-        <p:txBody>
-          <a:bodyPr rtlCol="0" anchor="ctr"/>
-          <a:lstStyle/>
-          <a:p>
-            <a:pPr algn="ctr"/>
-            <a:r>
-              <a:rPr lang="en-IN" dirty="0"/>
-              <a:t>Docker</a:t>
-            </a:r>
-            <a:br>
-              <a:rPr lang="en-IN" dirty="0"/>
-            </a:br>
-            <a:r>
-              <a:rPr lang="en-IN" dirty="0"/>
-              <a:t>Daemon</a:t>
-            </a:r>
-          </a:p>
-        </p:txBody>
-      </p:sp>
-      <p:sp>
-        <p:nvSpPr>
-          <p:cNvPr id="9" name="Rectangle 8"/>
-          <p:cNvSpPr/>
-          <p:nvPr/>
-        </p:nvSpPr>
-        <p:spPr>
-          <a:xfrm>
-            <a:off x="8188036" y="4599703"/>
-            <a:ext cx="2355273" cy="1745673"/>
-          </a:xfrm>
-          <a:prstGeom prst="rect">
-            <a:avLst/>
-          </a:prstGeom>
-          <a:ln>
-            <a:noFill/>
-          </a:ln>
-        </p:spPr>
-        <p:style>
-          <a:lnRef idx="1">
-            <a:schemeClr val="accent2"/>
-          </a:lnRef>
-          <a:fillRef idx="2">
-            <a:schemeClr val="accent2"/>
-          </a:fillRef>
-          <a:effectRef idx="1">
-            <a:schemeClr val="accent2"/>
-          </a:effectRef>
-          <a:fontRef idx="minor">
-            <a:schemeClr val="dk1"/>
-          </a:fontRef>
-        </p:style>
-        <p:txBody>
-          <a:bodyPr rot="0" spcFirstLastPara="0" vertOverflow="overflow" horzOverflow="overflow" vert="horz" wrap="square" lIns="91440" tIns="45720" rIns="91440" bIns="45720" numCol="1" spcCol="0" rtlCol="0" fromWordArt="0" anchor="b" anchorCtr="0" forceAA="0" compatLnSpc="1">
-            <a:prstTxWarp prst="textNoShape">
-              <a:avLst/>
-            </a:prstTxWarp>
-            <a:noAutofit/>
-          </a:bodyPr>
-          <a:lstStyle/>
-          <a:p>
-            <a:pPr algn="ctr"/>
-            <a:r>
-              <a:rPr lang="en-IN" dirty="0"/>
-              <a:t>Swarm Node</a:t>
-            </a:r>
-          </a:p>
-        </p:txBody>
-      </p:sp>
-      <p:sp>
-        <p:nvSpPr>
-          <p:cNvPr id="10" name="Rounded Rectangle 9"/>
-          <p:cNvSpPr/>
-          <p:nvPr/>
-        </p:nvSpPr>
-        <p:spPr>
-          <a:xfrm>
-            <a:off x="8491973" y="5112306"/>
-            <a:ext cx="1759527" cy="692728"/>
-          </a:xfrm>
-          <a:prstGeom prst="roundRect">
-            <a:avLst/>
-          </a:prstGeom>
-          <a:solidFill>
-            <a:schemeClr val="accent4">
-              <a:lumMod val="20000"/>
-              <a:lumOff val="80000"/>
-            </a:schemeClr>
-          </a:solidFill>
-          <a:ln>
-            <a:noFill/>
-          </a:ln>
-        </p:spPr>
-        <p:style>
-          <a:lnRef idx="1">
-            <a:schemeClr val="accent2"/>
-          </a:lnRef>
-          <a:fillRef idx="2">
-            <a:schemeClr val="accent2"/>
-          </a:fillRef>
-          <a:effectRef idx="1">
-            <a:schemeClr val="accent2"/>
-          </a:effectRef>
-          <a:fontRef idx="minor">
-            <a:schemeClr val="dk1"/>
-          </a:fontRef>
-        </p:style>
-        <p:txBody>
-          <a:bodyPr rtlCol="0" anchor="ctr"/>
-          <a:lstStyle/>
-          <a:p>
-            <a:pPr algn="ctr"/>
-            <a:r>
-              <a:rPr lang="en-IN" dirty="0"/>
-              <a:t>Docker</a:t>
-            </a:r>
-            <a:br>
-              <a:rPr lang="en-IN" dirty="0"/>
-            </a:br>
-            <a:r>
-              <a:rPr lang="en-IN" dirty="0"/>
-              <a:t>Daemon</a:t>
-            </a:r>
-          </a:p>
-        </p:txBody>
-      </p:sp>
-      <p:sp>
-        <p:nvSpPr>
-          <p:cNvPr id="11" name="Rounded Rectangle 10"/>
-          <p:cNvSpPr/>
-          <p:nvPr/>
-        </p:nvSpPr>
-        <p:spPr>
-          <a:xfrm>
-            <a:off x="8995061" y="1482431"/>
-            <a:ext cx="1548248" cy="692728"/>
-          </a:xfrm>
-          <a:prstGeom prst="roundRect">
-            <a:avLst/>
-          </a:prstGeom>
-          <a:ln>
-            <a:noFill/>
-          </a:ln>
-        </p:spPr>
-        <p:style>
-          <a:lnRef idx="1">
-            <a:schemeClr val="accent2"/>
-          </a:lnRef>
-          <a:fillRef idx="2">
-            <a:schemeClr val="accent2"/>
-          </a:fillRef>
-          <a:effectRef idx="1">
-            <a:schemeClr val="accent2"/>
-          </a:effectRef>
-          <a:fontRef idx="minor">
-            <a:schemeClr val="dk1"/>
-          </a:fontRef>
-        </p:style>
-        <p:txBody>
-          <a:bodyPr rtlCol="0" anchor="ctr"/>
-          <a:lstStyle/>
-          <a:p>
-            <a:pPr algn="ctr"/>
-            <a:r>
-              <a:rPr lang="en-IN" dirty="0" smtClean="0"/>
-              <a:t>Docker</a:t>
-            </a:r>
-            <a:br>
-              <a:rPr lang="en-IN" dirty="0" smtClean="0"/>
-            </a:br>
-            <a:r>
-              <a:rPr lang="en-IN" dirty="0" smtClean="0"/>
-              <a:t>Client</a:t>
-            </a:r>
-            <a:endParaRPr lang="en-IN" dirty="0"/>
-          </a:p>
-        </p:txBody>
-      </p:sp>
-      <p:cxnSp>
-        <p:nvCxnSpPr>
-          <p:cNvPr id="13" name="Straight Arrow Connector 12"/>
-          <p:cNvCxnSpPr>
-            <a:stCxn id="11" idx="1"/>
-            <a:endCxn id="2" idx="3"/>
-          </p:cNvCxnSpPr>
-          <p:nvPr/>
-        </p:nvCxnSpPr>
-        <p:spPr>
-          <a:xfrm flipH="1">
-            <a:off x="6349714" y="1828795"/>
-            <a:ext cx="2645347" cy="0"/>
-          </a:xfrm>
-          <a:prstGeom prst="straightConnector1">
-            <a:avLst/>
-          </a:prstGeom>
-          <a:ln>
-            <a:tailEnd type="triangle"/>
-          </a:ln>
-        </p:spPr>
-        <p:style>
-          <a:lnRef idx="1">
-            <a:schemeClr val="accent1"/>
-          </a:lnRef>
-          <a:fillRef idx="0">
-            <a:schemeClr val="accent1"/>
-          </a:fillRef>
-          <a:effectRef idx="0">
-            <a:schemeClr val="accent1"/>
-          </a:effectRef>
-          <a:fontRef idx="minor">
-            <a:schemeClr val="tx1"/>
-          </a:fontRef>
-        </p:style>
-      </p:cxnSp>
-      <p:cxnSp>
-        <p:nvCxnSpPr>
-          <p:cNvPr id="47" name="Elbow Connector 46"/>
-          <p:cNvCxnSpPr/>
-          <p:nvPr/>
-        </p:nvCxnSpPr>
-        <p:spPr>
-          <a:xfrm rot="16200000" flipH="1">
-            <a:off x="4814452" y="3422063"/>
-            <a:ext cx="1704114" cy="387927"/>
-          </a:xfrm>
-          <a:prstGeom prst="bentConnector3">
-            <a:avLst/>
-          </a:prstGeom>
-          <a:ln>
-            <a:tailEnd type="triangle"/>
-          </a:ln>
-        </p:spPr>
-        <p:style>
-          <a:lnRef idx="1">
-            <a:schemeClr val="accent2"/>
-          </a:lnRef>
-          <a:fillRef idx="0">
-            <a:schemeClr val="accent2"/>
-          </a:fillRef>
-          <a:effectRef idx="0">
-            <a:schemeClr val="accent2"/>
-          </a:effectRef>
-          <a:fontRef idx="minor">
-            <a:schemeClr val="tx1"/>
-          </a:fontRef>
-        </p:style>
-      </p:cxnSp>
-      <p:cxnSp>
-        <p:nvCxnSpPr>
-          <p:cNvPr id="48" name="Elbow Connector 47"/>
-          <p:cNvCxnSpPr/>
-          <p:nvPr/>
-        </p:nvCxnSpPr>
-        <p:spPr>
-          <a:xfrm rot="5400000">
-            <a:off x="2895599" y="2957937"/>
-            <a:ext cx="1704115" cy="1316179"/>
-          </a:xfrm>
-          <a:prstGeom prst="bentConnector3">
-            <a:avLst>
-              <a:gd name="adj1" fmla="val 50000"/>
-            </a:avLst>
-          </a:prstGeom>
-          <a:ln>
-            <a:tailEnd type="triangle"/>
-          </a:ln>
-        </p:spPr>
-        <p:style>
-          <a:lnRef idx="1">
-            <a:schemeClr val="accent2"/>
-          </a:lnRef>
-          <a:fillRef idx="0">
-            <a:schemeClr val="accent2"/>
-          </a:fillRef>
-          <a:effectRef idx="0">
-            <a:schemeClr val="accent2"/>
-          </a:effectRef>
-          <a:fontRef idx="minor">
-            <a:schemeClr val="tx1"/>
-          </a:fontRef>
-        </p:style>
-      </p:cxnSp>
-      <p:cxnSp>
-        <p:nvCxnSpPr>
-          <p:cNvPr id="105" name="Elbow Connector 104"/>
-          <p:cNvCxnSpPr/>
-          <p:nvPr/>
-        </p:nvCxnSpPr>
-        <p:spPr>
-          <a:xfrm rot="16200000" flipH="1">
-            <a:off x="6563365" y="2360287"/>
-            <a:ext cx="1828800" cy="2592000"/>
-          </a:xfrm>
-          <a:prstGeom prst="bentConnector3">
-            <a:avLst>
-              <a:gd name="adj1" fmla="val 41058"/>
-            </a:avLst>
-          </a:prstGeom>
-          <a:ln>
-            <a:tailEnd type="triangle"/>
-          </a:ln>
-        </p:spPr>
-        <p:style>
-          <a:lnRef idx="1">
-            <a:schemeClr val="accent2"/>
-          </a:lnRef>
-          <a:fillRef idx="0">
-            <a:schemeClr val="accent2"/>
-          </a:fillRef>
-          <a:effectRef idx="0">
-            <a:schemeClr val="accent2"/>
-          </a:effectRef>
-          <a:fontRef idx="minor">
-            <a:schemeClr val="tx1"/>
-          </a:fontRef>
-        </p:style>
-      </p:cxnSp>
+              <a:rPr lang="en-US" b="1" dirty="0" smtClean="0"/>
+              <a:t>Docker Networking</a:t>
+            </a:r>
+          </a:p>
+          <a:p>
+            <a:endParaRPr lang="en-US" b="1" dirty="0"/>
+          </a:p>
+          <a:p>
+            <a:pPr algn="l"/>
+            <a:r>
+              <a:rPr lang="en-IN" sz="1800" dirty="0"/>
+              <a:t>Docker and </a:t>
+            </a:r>
+            <a:r>
+              <a:rPr lang="en-IN" sz="1800" dirty="0" smtClean="0"/>
+              <a:t>iptables – </a:t>
+            </a:r>
+          </a:p>
+          <a:p>
+            <a:pPr algn="l"/>
+            <a:r>
+              <a:rPr lang="en-IN" sz="1800" dirty="0"/>
+              <a:t>	</a:t>
+            </a:r>
+            <a:r>
+              <a:rPr lang="en-IN" sz="1800" dirty="0" smtClean="0"/>
+              <a:t>Linux hosts use a kernel module iptables to manage access to network devices , like routing, network address 	translation (NAT), and other concerns. </a:t>
+            </a:r>
+          </a:p>
+          <a:p>
+            <a:pPr algn="l"/>
+            <a:r>
+              <a:rPr lang="en-IN" sz="1800" dirty="0" smtClean="0"/>
+              <a:t>	</a:t>
+            </a:r>
+          </a:p>
+          <a:p>
+            <a:pPr algn="l"/>
+            <a:r>
+              <a:rPr lang="en-IN" sz="1800" dirty="0"/>
+              <a:t>	</a:t>
+            </a:r>
+            <a:r>
+              <a:rPr lang="en-IN" sz="1800" dirty="0" smtClean="0"/>
+              <a:t>Docker modifies iptables rule when you start or stop container.</a:t>
+            </a:r>
+          </a:p>
+          <a:p>
+            <a:pPr algn="l"/>
+            <a:endParaRPr lang="en-IN" sz="1800" dirty="0"/>
+          </a:p>
+          <a:p>
+            <a:pPr algn="l"/>
+            <a:r>
+              <a:rPr lang="en-IN" sz="1800" dirty="0" smtClean="0"/>
+              <a:t> </a:t>
+            </a:r>
+          </a:p>
+          <a:p>
+            <a:pPr algn="l"/>
+            <a:r>
+              <a:rPr lang="en-IN" sz="1800" dirty="0"/>
+              <a:t>	</a:t>
+            </a:r>
+            <a:r>
+              <a:rPr lang="en-IN" sz="1800" dirty="0" smtClean="0"/>
+              <a:t>	</a:t>
+            </a:r>
+            <a:endParaRPr lang="en-IN" sz="1800" dirty="0"/>
+          </a:p>
+          <a:p>
+            <a:pPr algn="l"/>
+            <a:endParaRPr lang="en-US" sz="1800" b="1" dirty="0" smtClean="0"/>
+          </a:p>
+          <a:p>
+            <a:endParaRPr lang="en-US" b="1" dirty="0"/>
+          </a:p>
+          <a:p>
+            <a:pPr algn="l"/>
+            <a:endParaRPr lang="en-US" dirty="0"/>
+          </a:p>
+        </p:txBody>
+      </p:sp>
     </p:spTree>
     <p:extLst>
       <p:ext uri="{BB962C8B-B14F-4D97-AF65-F5344CB8AC3E}">
-        <p14:creationId xmlns:p14="http://schemas.microsoft.com/office/powerpoint/2010/main" val="257405500"/>
+        <p14:creationId xmlns:p14="http://schemas.microsoft.com/office/powerpoint/2010/main" val="3525917734"/>
       </p:ext>
     </p:extLst>
   </p:cSld>
@@ -21732,16 +21593,34 @@
         </p:nvSpPr>
         <p:spPr>
           <a:xfrm>
-            <a:off x="0" y="0"/>
+            <a:off x="0" y="207818"/>
             <a:ext cx="12192000" cy="6858000"/>
           </a:xfrm>
         </p:spPr>
         <p:txBody>
-          <a:bodyPr/>
-          <a:lstStyle/>
+          <a:bodyPr>
+            <a:normAutofit/>
+          </a:bodyPr>
+          <a:lstStyle/>
+          <a:p>
+            <a:r>
+              <a:rPr lang="en-US" b="1" dirty="0" smtClean="0"/>
+              <a:t>Docker Networking</a:t>
+            </a:r>
+          </a:p>
+          <a:p>
+            <a:endParaRPr lang="en-US" b="1" dirty="0"/>
+          </a:p>
           <a:p>
             <a:pPr algn="l"/>
-            <a:endParaRPr lang="en-IN" sz="1800" dirty="0" smtClean="0"/>
+            <a:r>
+              <a:rPr lang="en-IN" sz="1800" b="1" dirty="0"/>
+              <a:t>Docker and </a:t>
+            </a:r>
+            <a:r>
+              <a:rPr lang="en-IN" sz="1800" b="1" dirty="0" smtClean="0"/>
+              <a:t>iptables</a:t>
+            </a:r>
           </a:p>
           <a:p>
             <a:pPr algn="l"/>
@@ -21749,79 +21628,68 @@
           </a:p>
           <a:p>
             <a:pPr algn="l"/>
+            <a:endParaRPr lang="en-IN" sz="1800" dirty="0"/>
+          </a:p>
+          <a:p>
+            <a:pPr algn="l"/>
             <a:r>
               <a:rPr lang="en-IN" sz="1800" dirty="0" smtClean="0"/>
-              <a:t>A </a:t>
-            </a:r>
+              <a:t> </a:t>
+            </a:r>
+          </a:p>
+          <a:p>
+            <a:pPr algn="l"/>
             <a:r>
               <a:rPr lang="en-IN" sz="1800" dirty="0"/>
-              <a:t>swarm is made up of multiple nodes, which can be either physical or virtual machines</a:t>
+              <a:t>	</a:t>
             </a:r>
             <a:r>
               <a:rPr lang="en-IN" sz="1800" dirty="0" smtClean="0"/>
-              <a:t>.</a:t>
-            </a:r>
+              <a:t>	</a:t>
+            </a:r>
+            <a:endParaRPr lang="en-IN" sz="1800" dirty="0"/>
           </a:p>
           <a:p>
             <a:pPr algn="l"/>
-            <a:endParaRPr lang="en-IN" sz="1800" dirty="0"/>
+            <a:endParaRPr lang="en-US" sz="1800" b="1" dirty="0" smtClean="0"/>
+          </a:p>
+          <a:p>
+            <a:endParaRPr lang="en-US" b="1" dirty="0"/>
           </a:p>
           <a:p>
             <a:pPr algn="l"/>
-            <a:r>
-              <a:rPr lang="en-US" sz="1800" dirty="0"/>
-              <a:t>docker swarm </a:t>
-            </a:r>
-            <a:r>
-              <a:rPr lang="en-US" sz="1800" dirty="0" smtClean="0"/>
-              <a:t>init command  - </a:t>
-            </a:r>
-            <a:r>
-              <a:rPr lang="en-IN" sz="1800" dirty="0"/>
-              <a:t>enable swarm mode and make your current machine a swarm </a:t>
-            </a:r>
-            <a:r>
-              <a:rPr lang="en-IN" sz="1800" dirty="0" smtClean="0"/>
-              <a:t>manager</a:t>
-            </a:r>
-          </a:p>
-          <a:p>
-            <a:pPr algn="l"/>
-            <a:endParaRPr lang="en-IN" sz="1800" dirty="0"/>
-          </a:p>
-          <a:p>
-            <a:pPr algn="l"/>
-            <a:r>
-              <a:rPr lang="en-US" sz="1800" dirty="0"/>
-              <a:t>docker swarm join </a:t>
-            </a:r>
-            <a:r>
-              <a:rPr lang="en-US" sz="1800" dirty="0" smtClean="0"/>
-              <a:t>command – Other machines to have them join the swam as worker</a:t>
-            </a:r>
-          </a:p>
-          <a:p>
-            <a:pPr algn="l"/>
-            <a:endParaRPr lang="en-US" sz="1800" dirty="0"/>
-          </a:p>
-          <a:p>
-            <a:pPr algn="l"/>
-            <a:endParaRPr lang="en-US" sz="1800" dirty="0" smtClean="0"/>
-          </a:p>
-          <a:p>
-            <a:pPr algn="l"/>
-            <a:endParaRPr lang="en-US" sz="1800" dirty="0"/>
-          </a:p>
-          <a:p>
-            <a:pPr algn="l"/>
-            <a:endParaRPr lang="en-US" sz="1800" dirty="0"/>
-          </a:p>
-        </p:txBody>
-      </p:sp>
+            <a:endParaRPr lang="en-US" dirty="0"/>
+          </a:p>
+        </p:txBody>
+      </p:sp>
+      <p:pic>
+        <p:nvPicPr>
+          <p:cNvPr id="2" name="Picture 1"/>
+          <p:cNvPicPr>
+            <a:picLocks noChangeAspect="1"/>
+          </p:cNvPicPr>
+          <p:nvPr/>
+        </p:nvPicPr>
+        <p:blipFill>
+          <a:blip r:embed="rId3"/>
+          <a:stretch>
+            <a:fillRect/>
+          </a:stretch>
+        </p:blipFill>
+        <p:spPr>
+          <a:xfrm>
+            <a:off x="2175164" y="600075"/>
+            <a:ext cx="9448800" cy="6257925"/>
+          </a:xfrm>
+          <a:prstGeom prst="rect">
+            <a:avLst/>
+          </a:prstGeom>
+        </p:spPr>
+      </p:pic>
     </p:spTree>
     <p:extLst>
       <p:ext uri="{BB962C8B-B14F-4D97-AF65-F5344CB8AC3E}">
-        <p14:creationId xmlns:p14="http://schemas.microsoft.com/office/powerpoint/2010/main" val="3505625127"/>
+        <p14:creationId xmlns:p14="http://schemas.microsoft.com/office/powerpoint/2010/main" val="942521208"/>
       </p:ext>
     </p:extLst>
   </p:cSld>
@@ -21900,69 +21768,59 @@
           <a:p>
             <a:pPr algn="l"/>
             <a:r>
-              <a:rPr lang="en-IN" sz="1800" dirty="0"/>
+              <a:rPr lang="en-IN" sz="1800" b="1" dirty="0"/>
               <a:t>Docker and </a:t>
             </a:r>
             <a:r>
+              <a:rPr lang="en-IN" sz="1800" b="1" dirty="0" smtClean="0"/>
+              <a:t>iptables</a:t>
+            </a:r>
+          </a:p>
+          <a:p>
+            <a:pPr algn="l"/>
+            <a:r>
               <a:rPr lang="en-IN" sz="1800" dirty="0" smtClean="0"/>
-              <a:t>iptables – </a:t>
-            </a:r>
+              <a:t>											</a:t>
+            </a:r>
+            <a:endParaRPr lang="en-IN" sz="1800" dirty="0"/>
           </a:p>
           <a:p>
             <a:pPr algn="l"/>
+            <a:r>
+              <a:rPr lang="en-IN" sz="1800" dirty="0" smtClean="0"/>
+              <a:t>				</a:t>
+            </a:r>
+            <a:r>
+              <a:rPr lang="en-IN" dirty="0"/>
+              <a:t> </a:t>
+            </a:r>
+            <a:r>
+              <a:rPr lang="en-IN" dirty="0" smtClean="0"/>
+              <a:t>                    </a:t>
+            </a:r>
             <a:r>
               <a:rPr lang="en-IN" sz="1800" dirty="0"/>
               <a:t>	</a:t>
             </a:r>
             <a:r>
               <a:rPr lang="en-IN" sz="1800" dirty="0" smtClean="0"/>
-              <a:t>Linux hosts use a kernel module iptables to manage access to network devices , like routing, network address 	translation (NAT), and other concerns. </a:t>
-            </a:r>
+              <a:t>	</a:t>
+            </a:r>
+            <a:endParaRPr lang="en-IN" sz="1800" dirty="0"/>
           </a:p>
           <a:p>
             <a:pPr algn="l"/>
             <a:r>
-              <a:rPr lang="en-IN" sz="1800" dirty="0" smtClean="0"/>
-              <a:t>	</a:t>
+              <a:rPr lang="en-US" sz="1800" b="1" dirty="0" smtClean="0"/>
+              <a:t>           </a:t>
             </a:r>
           </a:p>
           <a:p>
             <a:pPr algn="l"/>
             <a:r>
-              <a:rPr lang="en-IN" sz="1800" dirty="0"/>
-              <a:t>	</a:t>
-            </a:r>
-            <a:r>
-              <a:rPr lang="en-IN" sz="1800" dirty="0" smtClean="0"/>
-              <a:t>Docker modifies iptables rule when you start or stop container.</a:t>
-            </a:r>
-          </a:p>
-          <a:p>
-            <a:pPr algn="l"/>
-            <a:endParaRPr lang="en-IN" sz="1800" dirty="0"/>
-          </a:p>
-          <a:p>
-            <a:pPr algn="l"/>
-            <a:r>
-              <a:rPr lang="en-IN" sz="1800" dirty="0" smtClean="0"/>
-              <a:t> </a:t>
-            </a:r>
-          </a:p>
-          <a:p>
-            <a:pPr algn="l"/>
-            <a:r>
-              <a:rPr lang="en-IN" sz="1800" dirty="0"/>
-              <a:t>	</a:t>
-            </a:r>
-            <a:r>
-              <a:rPr lang="en-IN" sz="1800" dirty="0" smtClean="0"/>
-              <a:t>	</a:t>
-            </a:r>
-            <a:endParaRPr lang="en-IN" sz="1800" dirty="0"/>
-          </a:p>
-          <a:p>
-            <a:pPr algn="l"/>
-            <a:endParaRPr lang="en-US" sz="1800" b="1" dirty="0" smtClean="0"/>
+              <a:rPr lang="en-US" sz="1800" b="1" dirty="0" smtClean="0"/>
+              <a:t>     </a:t>
+            </a:r>
           </a:p>
           <a:p>
             <a:endParaRPr lang="en-US" b="1" dirty="0"/>
@@ -21973,10 +21831,383 @@
           </a:p>
         </p:txBody>
       </p:sp>
+      <p:pic>
+        <p:nvPicPr>
+          <p:cNvPr id="4" name="Picture 3"/>
+          <p:cNvPicPr>
+            <a:picLocks noChangeAspect="1"/>
+          </p:cNvPicPr>
+          <p:nvPr/>
+        </p:nvPicPr>
+        <p:blipFill>
+          <a:blip r:embed="rId3"/>
+          <a:stretch>
+            <a:fillRect/>
+          </a:stretch>
+        </p:blipFill>
+        <p:spPr>
+          <a:xfrm>
+            <a:off x="565872" y="1793731"/>
+            <a:ext cx="3800475" cy="333375"/>
+          </a:xfrm>
+          <a:prstGeom prst="rect">
+            <a:avLst/>
+          </a:prstGeom>
+        </p:spPr>
+      </p:pic>
+      <p:pic>
+        <p:nvPicPr>
+          <p:cNvPr id="5" name="Picture 4"/>
+          <p:cNvPicPr>
+            <a:picLocks noChangeAspect="1"/>
+          </p:cNvPicPr>
+          <p:nvPr/>
+        </p:nvPicPr>
+        <p:blipFill>
+          <a:blip r:embed="rId4"/>
+          <a:stretch>
+            <a:fillRect/>
+          </a:stretch>
+        </p:blipFill>
+        <p:spPr>
+          <a:xfrm>
+            <a:off x="565872" y="2702934"/>
+            <a:ext cx="8220075" cy="219075"/>
+          </a:xfrm>
+          <a:prstGeom prst="rect">
+            <a:avLst/>
+          </a:prstGeom>
+        </p:spPr>
+      </p:pic>
+      <p:sp>
+        <p:nvSpPr>
+          <p:cNvPr id="6" name="Rectangle 5"/>
+          <p:cNvSpPr/>
+          <p:nvPr/>
+        </p:nvSpPr>
+        <p:spPr>
+          <a:xfrm>
+            <a:off x="5723010" y="1690687"/>
+            <a:ext cx="5112327" cy="436419"/>
+          </a:xfrm>
+          <a:prstGeom prst="rect">
+            <a:avLst/>
+          </a:prstGeom>
+          <a:ln>
+            <a:noFill/>
+          </a:ln>
+        </p:spPr>
+        <p:style>
+          <a:lnRef idx="1">
+            <a:schemeClr val="accent2"/>
+          </a:lnRef>
+          <a:fillRef idx="2">
+            <a:schemeClr val="accent2"/>
+          </a:fillRef>
+          <a:effectRef idx="1">
+            <a:schemeClr val="accent2"/>
+          </a:effectRef>
+          <a:fontRef idx="minor">
+            <a:schemeClr val="dk1"/>
+          </a:fontRef>
+        </p:style>
+        <p:txBody>
+          <a:bodyPr rtlCol="0" anchor="ctr"/>
+          <a:lstStyle/>
+          <a:p>
+            <a:r>
+              <a:rPr lang="en-IN" dirty="0"/>
+              <a:t>Save the iptables rule in file before for </a:t>
+            </a:r>
+            <a:r>
+              <a:rPr lang="en-IN" dirty="0" smtClean="0"/>
+              <a:t>later compare </a:t>
+            </a:r>
+            <a:endParaRPr lang="en-IN" dirty="0"/>
+          </a:p>
+        </p:txBody>
+      </p:sp>
+      <p:sp>
+        <p:nvSpPr>
+          <p:cNvPr id="7" name="Rectangle 6"/>
+          <p:cNvSpPr/>
+          <p:nvPr/>
+        </p:nvSpPr>
+        <p:spPr>
+          <a:xfrm>
+            <a:off x="5723010" y="3279627"/>
+            <a:ext cx="5112327" cy="436419"/>
+          </a:xfrm>
+          <a:prstGeom prst="rect">
+            <a:avLst/>
+          </a:prstGeom>
+          <a:ln>
+            <a:noFill/>
+          </a:ln>
+        </p:spPr>
+        <p:style>
+          <a:lnRef idx="1">
+            <a:schemeClr val="accent2"/>
+          </a:lnRef>
+          <a:fillRef idx="2">
+            <a:schemeClr val="accent2"/>
+          </a:fillRef>
+          <a:effectRef idx="1">
+            <a:schemeClr val="accent2"/>
+          </a:effectRef>
+          <a:fontRef idx="minor">
+            <a:schemeClr val="dk1"/>
+          </a:fontRef>
+        </p:style>
+        <p:txBody>
+          <a:bodyPr rtlCol="0" anchor="ctr"/>
+          <a:lstStyle/>
+          <a:p>
+            <a:r>
+              <a:rPr lang="en-IN" dirty="0" smtClean="0"/>
+              <a:t>Port forwarding for container node </a:t>
+            </a:r>
+            <a:endParaRPr lang="en-IN" dirty="0"/>
+          </a:p>
+        </p:txBody>
+      </p:sp>
+      <p:cxnSp>
+        <p:nvCxnSpPr>
+          <p:cNvPr id="9" name="Straight Arrow Connector 8"/>
+          <p:cNvCxnSpPr/>
+          <p:nvPr/>
+        </p:nvCxnSpPr>
+        <p:spPr>
+          <a:xfrm flipV="1">
+            <a:off x="4675909" y="2992145"/>
+            <a:ext cx="0" cy="505691"/>
+          </a:xfrm>
+          <a:prstGeom prst="straightConnector1">
+            <a:avLst/>
+          </a:prstGeom>
+          <a:ln>
+            <a:tailEnd type="triangle"/>
+          </a:ln>
+        </p:spPr>
+        <p:style>
+          <a:lnRef idx="1">
+            <a:schemeClr val="accent2"/>
+          </a:lnRef>
+          <a:fillRef idx="0">
+            <a:schemeClr val="accent2"/>
+          </a:fillRef>
+          <a:effectRef idx="0">
+            <a:schemeClr val="accent2"/>
+          </a:effectRef>
+          <a:fontRef idx="minor">
+            <a:schemeClr val="tx1"/>
+          </a:fontRef>
+        </p:style>
+      </p:cxnSp>
+      <p:cxnSp>
+        <p:nvCxnSpPr>
+          <p:cNvPr id="13" name="Straight Connector 12"/>
+          <p:cNvCxnSpPr>
+            <a:endCxn id="7" idx="1"/>
+          </p:cNvCxnSpPr>
+          <p:nvPr/>
+        </p:nvCxnSpPr>
+        <p:spPr>
+          <a:xfrm>
+            <a:off x="4675909" y="3497836"/>
+            <a:ext cx="1047101" cy="1"/>
+          </a:xfrm>
+          <a:prstGeom prst="line">
+            <a:avLst/>
+          </a:prstGeom>
+        </p:spPr>
+        <p:style>
+          <a:lnRef idx="1">
+            <a:schemeClr val="accent2"/>
+          </a:lnRef>
+          <a:fillRef idx="0">
+            <a:schemeClr val="accent2"/>
+          </a:fillRef>
+          <a:effectRef idx="0">
+            <a:schemeClr val="accent2"/>
+          </a:effectRef>
+          <a:fontRef idx="minor">
+            <a:schemeClr val="tx1"/>
+          </a:fontRef>
+        </p:style>
+      </p:cxnSp>
+      <p:cxnSp>
+        <p:nvCxnSpPr>
+          <p:cNvPr id="15" name="Straight Arrow Connector 14"/>
+          <p:cNvCxnSpPr>
+            <a:stCxn id="6" idx="1"/>
+          </p:cNvCxnSpPr>
+          <p:nvPr/>
+        </p:nvCxnSpPr>
+        <p:spPr>
+          <a:xfrm flipH="1">
+            <a:off x="4530436" y="1908897"/>
+            <a:ext cx="1192574" cy="0"/>
+          </a:xfrm>
+          <a:prstGeom prst="straightConnector1">
+            <a:avLst/>
+          </a:prstGeom>
+          <a:ln>
+            <a:tailEnd type="triangle"/>
+          </a:ln>
+        </p:spPr>
+        <p:style>
+          <a:lnRef idx="1">
+            <a:schemeClr val="accent2"/>
+          </a:lnRef>
+          <a:fillRef idx="0">
+            <a:schemeClr val="accent2"/>
+          </a:fillRef>
+          <a:effectRef idx="0">
+            <a:schemeClr val="accent2"/>
+          </a:effectRef>
+          <a:fontRef idx="minor">
+            <a:schemeClr val="tx1"/>
+          </a:fontRef>
+        </p:style>
+      </p:cxnSp>
+      <p:pic>
+        <p:nvPicPr>
+          <p:cNvPr id="22" name="Picture 21"/>
+          <p:cNvPicPr>
+            <a:picLocks noChangeAspect="1"/>
+          </p:cNvPicPr>
+          <p:nvPr/>
+        </p:nvPicPr>
+        <p:blipFill>
+          <a:blip r:embed="rId5"/>
+          <a:stretch>
+            <a:fillRect/>
+          </a:stretch>
+        </p:blipFill>
+        <p:spPr>
+          <a:xfrm>
+            <a:off x="565872" y="4073663"/>
+            <a:ext cx="8048625" cy="1590675"/>
+          </a:xfrm>
+          <a:prstGeom prst="rect">
+            <a:avLst/>
+          </a:prstGeom>
+        </p:spPr>
+      </p:pic>
+      <p:sp>
+        <p:nvSpPr>
+          <p:cNvPr id="24" name="Rectangle 23"/>
+          <p:cNvSpPr/>
+          <p:nvPr/>
+        </p:nvSpPr>
+        <p:spPr>
+          <a:xfrm>
+            <a:off x="5723010" y="6021955"/>
+            <a:ext cx="5112327" cy="436419"/>
+          </a:xfrm>
+          <a:prstGeom prst="rect">
+            <a:avLst/>
+          </a:prstGeom>
+          <a:ln>
+            <a:noFill/>
+          </a:ln>
+        </p:spPr>
+        <p:style>
+          <a:lnRef idx="1">
+            <a:schemeClr val="accent2"/>
+          </a:lnRef>
+          <a:fillRef idx="2">
+            <a:schemeClr val="accent2"/>
+          </a:fillRef>
+          <a:effectRef idx="1">
+            <a:schemeClr val="accent2"/>
+          </a:effectRef>
+          <a:fontRef idx="minor">
+            <a:schemeClr val="dk1"/>
+          </a:fontRef>
+        </p:style>
+        <p:txBody>
+          <a:bodyPr rtlCol="0" anchor="ctr"/>
+          <a:lstStyle/>
+          <a:p>
+            <a:r>
+              <a:rPr lang="en-IN" dirty="0" smtClean="0"/>
+              <a:t>Check the iptables rule again and see the difference </a:t>
+            </a:r>
+            <a:endParaRPr lang="en-IN" dirty="0"/>
+          </a:p>
+        </p:txBody>
+      </p:sp>
+      <p:cxnSp>
+        <p:nvCxnSpPr>
+          <p:cNvPr id="26" name="Straight Arrow Connector 25"/>
+          <p:cNvCxnSpPr/>
+          <p:nvPr/>
+        </p:nvCxnSpPr>
+        <p:spPr>
+          <a:xfrm flipV="1">
+            <a:off x="4530436" y="5664338"/>
+            <a:ext cx="0" cy="575826"/>
+          </a:xfrm>
+          <a:prstGeom prst="straightConnector1">
+            <a:avLst/>
+          </a:prstGeom>
+          <a:ln>
+            <a:tailEnd type="triangle"/>
+          </a:ln>
+        </p:spPr>
+        <p:style>
+          <a:lnRef idx="1">
+            <a:schemeClr val="accent2"/>
+          </a:lnRef>
+          <a:fillRef idx="0">
+            <a:schemeClr val="accent2"/>
+          </a:fillRef>
+          <a:effectRef idx="0">
+            <a:schemeClr val="accent2"/>
+          </a:effectRef>
+          <a:fontRef idx="minor">
+            <a:schemeClr val="tx1"/>
+          </a:fontRef>
+        </p:style>
+      </p:cxnSp>
+      <p:cxnSp>
+        <p:nvCxnSpPr>
+          <p:cNvPr id="32" name="Straight Connector 31"/>
+          <p:cNvCxnSpPr>
+            <a:endCxn id="24" idx="1"/>
+          </p:cNvCxnSpPr>
+          <p:nvPr/>
+        </p:nvCxnSpPr>
+        <p:spPr>
+          <a:xfrm>
+            <a:off x="4530436" y="6240164"/>
+            <a:ext cx="1192574" cy="1"/>
+          </a:xfrm>
+          <a:prstGeom prst="line">
+            <a:avLst/>
+          </a:prstGeom>
+        </p:spPr>
+        <p:style>
+          <a:lnRef idx="1">
+            <a:schemeClr val="accent2"/>
+          </a:lnRef>
+          <a:fillRef idx="0">
+            <a:schemeClr val="accent2"/>
+          </a:fillRef>
+          <a:effectRef idx="0">
+            <a:schemeClr val="accent2"/>
+          </a:effectRef>
+          <a:fontRef idx="minor">
+            <a:schemeClr val="tx1"/>
+          </a:fontRef>
+        </p:style>
+      </p:cxnSp>
     </p:spTree>
     <p:extLst>
       <p:ext uri="{BB962C8B-B14F-4D97-AF65-F5344CB8AC3E}">
-        <p14:creationId xmlns:p14="http://schemas.microsoft.com/office/powerpoint/2010/main" val="3525917734"/>
+        <p14:creationId xmlns:p14="http://schemas.microsoft.com/office/powerpoint/2010/main" val="441646830"/>
       </p:ext>
     </p:extLst>
   </p:cSld>
@@ -22105,7 +22336,7 @@
       </p:sp>
       <p:pic>
         <p:nvPicPr>
-          <p:cNvPr id="2" name="Picture 1"/>
+          <p:cNvPr id="4" name="Picture 3"/>
           <p:cNvPicPr>
             <a:picLocks noChangeAspect="1"/>
           </p:cNvPicPr>
@@ -22119,18 +22350,127 @@
         </p:blipFill>
         <p:spPr>
           <a:xfrm>
-            <a:off x="2175164" y="600075"/>
-            <a:ext cx="9448800" cy="6257925"/>
+            <a:off x="532966" y="1778577"/>
+            <a:ext cx="10239375" cy="419100"/>
           </a:xfrm>
           <a:prstGeom prst="rect">
             <a:avLst/>
           </a:prstGeom>
         </p:spPr>
       </p:pic>
+      <p:sp>
+        <p:nvSpPr>
+          <p:cNvPr id="5" name="Rectangle 4"/>
+          <p:cNvSpPr/>
+          <p:nvPr/>
+        </p:nvSpPr>
+        <p:spPr>
+          <a:xfrm>
+            <a:off x="5958537" y="2766137"/>
+            <a:ext cx="5112327" cy="436419"/>
+          </a:xfrm>
+          <a:prstGeom prst="rect">
+            <a:avLst/>
+          </a:prstGeom>
+          <a:ln>
+            <a:noFill/>
+          </a:ln>
+        </p:spPr>
+        <p:style>
+          <a:lnRef idx="1">
+            <a:schemeClr val="accent2"/>
+          </a:lnRef>
+          <a:fillRef idx="2">
+            <a:schemeClr val="accent2"/>
+          </a:fillRef>
+          <a:effectRef idx="1">
+            <a:schemeClr val="accent2"/>
+          </a:effectRef>
+          <a:fontRef idx="minor">
+            <a:schemeClr val="dk1"/>
+          </a:fontRef>
+        </p:style>
+        <p:txBody>
+          <a:bodyPr rtlCol="0" anchor="ctr"/>
+          <a:lstStyle/>
+          <a:p>
+            <a:r>
+              <a:rPr lang="en-IN" dirty="0" smtClean="0"/>
+              <a:t>Port 2222 is open on docker host</a:t>
+            </a:r>
+            <a:endParaRPr lang="en-IN" dirty="0"/>
+          </a:p>
+        </p:txBody>
+      </p:sp>
+      <p:cxnSp>
+        <p:nvCxnSpPr>
+          <p:cNvPr id="7" name="Straight Arrow Connector 6"/>
+          <p:cNvCxnSpPr/>
+          <p:nvPr/>
+        </p:nvCxnSpPr>
+        <p:spPr>
+          <a:xfrm flipV="1">
+            <a:off x="4336473" y="2250055"/>
+            <a:ext cx="0" cy="734291"/>
+          </a:xfrm>
+          <a:prstGeom prst="straightConnector1">
+            <a:avLst/>
+          </a:prstGeom>
+          <a:ln>
+            <a:tailEnd type="triangle"/>
+          </a:ln>
+        </p:spPr>
+        <p:style>
+          <a:lnRef idx="1">
+            <a:schemeClr val="accent2"/>
+          </a:lnRef>
+          <a:fillRef idx="0">
+            <a:schemeClr val="accent2"/>
+          </a:fillRef>
+          <a:effectRef idx="0">
+            <a:schemeClr val="accent2"/>
+          </a:effectRef>
+          <a:fontRef idx="minor">
+            <a:schemeClr val="tx1"/>
+          </a:fontRef>
+        </p:style>
+      </p:cxnSp>
+      <p:cxnSp>
+        <p:nvCxnSpPr>
+          <p:cNvPr id="14" name="Straight Connector 13"/>
+          <p:cNvCxnSpPr>
+            <a:endCxn id="5" idx="1"/>
+          </p:cNvCxnSpPr>
+          <p:nvPr/>
+        </p:nvCxnSpPr>
+        <p:spPr>
+          <a:xfrm>
+            <a:off x="4336473" y="2984346"/>
+            <a:ext cx="1622064" cy="1"/>
+          </a:xfrm>
+          <a:prstGeom prst="line">
+            <a:avLst/>
+          </a:prstGeom>
+        </p:spPr>
+        <p:style>
+          <a:lnRef idx="1">
+            <a:schemeClr val="accent2"/>
+          </a:lnRef>
+          <a:fillRef idx="0">
+            <a:schemeClr val="accent2"/>
+          </a:fillRef>
+          <a:effectRef idx="0">
+            <a:schemeClr val="accent2"/>
+          </a:effectRef>
+          <a:fontRef idx="minor">
+            <a:schemeClr val="tx1"/>
+          </a:fontRef>
+        </p:style>
+      </p:cxnSp>
     </p:spTree>
     <p:extLst>
       <p:ext uri="{BB962C8B-B14F-4D97-AF65-F5344CB8AC3E}">
-        <p14:creationId xmlns:p14="http://schemas.microsoft.com/office/powerpoint/2010/main" val="942521208"/>
+        <p14:creationId xmlns:p14="http://schemas.microsoft.com/office/powerpoint/2010/main" val="624599040"/>
       </p:ext>
     </p:extLst>
   </p:cSld>
@@ -22209,59 +22549,29 @@
           <a:p>
             <a:pPr algn="l"/>
             <a:r>
-              <a:rPr lang="en-IN" sz="1800" b="1" dirty="0"/>
-              <a:t>Docker and </a:t>
-            </a:r>
-            <a:r>
-              <a:rPr lang="en-IN" sz="1800" b="1" dirty="0" smtClean="0"/>
-              <a:t>iptables</a:t>
-            </a:r>
+              <a:rPr lang="en-IN" sz="1800" dirty="0" smtClean="0"/>
+              <a:t>On node1 make sure sshd service is running </a:t>
+            </a:r>
+            <a:endParaRPr lang="en-IN" sz="1800" dirty="0"/>
           </a:p>
           <a:p>
             <a:pPr algn="l"/>
             <a:r>
               <a:rPr lang="en-IN" sz="1800" dirty="0" smtClean="0"/>
-              <a:t>											</a:t>
+              <a:t> </a:t>
+            </a:r>
+          </a:p>
+          <a:p>
+            <a:pPr algn="l"/>
+            <a:r>
+              <a:rPr lang="en-IN" sz="1800" dirty="0" smtClean="0"/>
+              <a:t>Check the connection to container by using below command.	</a:t>
             </a:r>
             <a:endParaRPr lang="en-IN" sz="1800" dirty="0"/>
           </a:p>
           <a:p>
             <a:pPr algn="l"/>
-            <a:r>
-              <a:rPr lang="en-IN" sz="1800" dirty="0" smtClean="0"/>
-              <a:t>				</a:t>
-            </a:r>
-            <a:r>
-              <a:rPr lang="en-IN" dirty="0"/>
-              <a:t> </a:t>
-            </a:r>
-            <a:r>
-              <a:rPr lang="en-IN" dirty="0" smtClean="0"/>
-              <a:t>                    </a:t>
-            </a:r>
-            <a:r>
-              <a:rPr lang="en-IN" sz="1800" dirty="0"/>
-              <a:t>	</a:t>
-            </a:r>
-            <a:r>
-              <a:rPr lang="en-IN" sz="1800" dirty="0" smtClean="0"/>
-              <a:t>	</a:t>
-            </a:r>
-            <a:endParaRPr lang="en-IN" sz="1800" dirty="0"/>
-          </a:p>
-          <a:p>
-            <a:pPr algn="l"/>
-            <a:r>
-              <a:rPr lang="en-US" sz="1800" b="1" dirty="0" smtClean="0"/>
-              <a:t>           </a:t>
-            </a:r>
-          </a:p>
-          <a:p>
-            <a:pPr algn="l"/>
-            <a:r>
-              <a:rPr lang="en-US" sz="1800" b="1" dirty="0" smtClean="0"/>
-              <a:t>     </a:t>
-            </a:r>
+            <a:endParaRPr lang="en-US" sz="1800" b="1" dirty="0" smtClean="0"/>
           </a:p>
           <a:p>
             <a:endParaRPr lang="en-US" b="1" dirty="0"/>
@@ -22272,383 +22582,46 @@
           </a:p>
         </p:txBody>
       </p:sp>
-      <p:pic>
-        <p:nvPicPr>
-          <p:cNvPr id="4" name="Picture 3"/>
-          <p:cNvPicPr>
-            <a:picLocks noChangeAspect="1"/>
-          </p:cNvPicPr>
-          <p:nvPr/>
-        </p:nvPicPr>
-        <p:blipFill>
-          <a:blip r:embed="rId3"/>
-          <a:stretch>
-            <a:fillRect/>
-          </a:stretch>
-        </p:blipFill>
-        <p:spPr>
-          <a:xfrm>
-            <a:off x="565872" y="1793731"/>
-            <a:ext cx="3800475" cy="333375"/>
-          </a:xfrm>
-          <a:prstGeom prst="rect">
-            <a:avLst/>
-          </a:prstGeom>
-        </p:spPr>
-      </p:pic>
-      <p:pic>
-        <p:nvPicPr>
-          <p:cNvPr id="5" name="Picture 4"/>
-          <p:cNvPicPr>
-            <a:picLocks noChangeAspect="1"/>
-          </p:cNvPicPr>
-          <p:nvPr/>
-        </p:nvPicPr>
-        <p:blipFill>
-          <a:blip r:embed="rId4"/>
-          <a:stretch>
-            <a:fillRect/>
-          </a:stretch>
-        </p:blipFill>
-        <p:spPr>
-          <a:xfrm>
-            <a:off x="565872" y="2702934"/>
-            <a:ext cx="8220075" cy="219075"/>
-          </a:xfrm>
-          <a:prstGeom prst="rect">
-            <a:avLst/>
-          </a:prstGeom>
-        </p:spPr>
-      </p:pic>
-      <p:sp>
-        <p:nvSpPr>
-          <p:cNvPr id="6" name="Rectangle 5"/>
+      <p:sp>
+        <p:nvSpPr>
+          <p:cNvPr id="2" name="Rectangle 1"/>
           <p:cNvSpPr/>
           <p:nvPr/>
         </p:nvSpPr>
         <p:spPr>
           <a:xfrm>
-            <a:off x="5723010" y="1690687"/>
-            <a:ext cx="5112327" cy="436419"/>
+            <a:off x="1662545" y="2163678"/>
+            <a:ext cx="7342909" cy="523220"/>
           </a:xfrm>
           <a:prstGeom prst="rect">
             <a:avLst/>
           </a:prstGeom>
-          <a:ln>
-            <a:noFill/>
-          </a:ln>
-        </p:spPr>
-        <p:style>
-          <a:lnRef idx="1">
-            <a:schemeClr val="accent2"/>
-          </a:lnRef>
-          <a:fillRef idx="2">
-            <a:schemeClr val="accent2"/>
-          </a:fillRef>
-          <a:effectRef idx="1">
-            <a:schemeClr val="accent2"/>
-          </a:effectRef>
-          <a:fontRef idx="minor">
-            <a:schemeClr val="dk1"/>
-          </a:fontRef>
-        </p:style>
-        <p:txBody>
-          <a:bodyPr rtlCol="0" anchor="ctr"/>
-          <a:lstStyle/>
-          <a:p>
-            <a:r>
-              <a:rPr lang="en-IN" dirty="0"/>
-              <a:t>Save the iptables rule in file before for </a:t>
-            </a:r>
-            <a:r>
-              <a:rPr lang="en-IN" dirty="0" smtClean="0"/>
-              <a:t>later compare </a:t>
-            </a:r>
-            <a:endParaRPr lang="en-IN" dirty="0"/>
-          </a:p>
-        </p:txBody>
-      </p:sp>
-      <p:sp>
-        <p:nvSpPr>
-          <p:cNvPr id="7" name="Rectangle 6"/>
-          <p:cNvSpPr/>
-          <p:nvPr/>
-        </p:nvSpPr>
-        <p:spPr>
-          <a:xfrm>
-            <a:off x="5723010" y="3279627"/>
-            <a:ext cx="5112327" cy="436419"/>
-          </a:xfrm>
-          <a:prstGeom prst="rect">
-            <a:avLst/>
-          </a:prstGeom>
-          <a:ln>
-            <a:noFill/>
-          </a:ln>
-        </p:spPr>
-        <p:style>
-          <a:lnRef idx="1">
-            <a:schemeClr val="accent2"/>
-          </a:lnRef>
-          <a:fillRef idx="2">
-            <a:schemeClr val="accent2"/>
-          </a:fillRef>
-          <a:effectRef idx="1">
-            <a:schemeClr val="accent2"/>
-          </a:effectRef>
-          <a:fontRef idx="minor">
-            <a:schemeClr val="dk1"/>
-          </a:fontRef>
-        </p:style>
-        <p:txBody>
-          <a:bodyPr rtlCol="0" anchor="ctr"/>
-          <a:lstStyle/>
-          <a:p>
-            <a:r>
-              <a:rPr lang="en-IN" dirty="0" smtClean="0"/>
-              <a:t>Port forwarding for container node </a:t>
-            </a:r>
-            <a:endParaRPr lang="en-IN" dirty="0"/>
-          </a:p>
-        </p:txBody>
-      </p:sp>
-      <p:cxnSp>
-        <p:nvCxnSpPr>
-          <p:cNvPr id="9" name="Straight Arrow Connector 8"/>
-          <p:cNvCxnSpPr/>
-          <p:nvPr/>
-        </p:nvCxnSpPr>
-        <p:spPr>
-          <a:xfrm flipV="1">
-            <a:off x="4675909" y="2992145"/>
-            <a:ext cx="0" cy="505691"/>
-          </a:xfrm>
-          <a:prstGeom prst="straightConnector1">
-            <a:avLst/>
-          </a:prstGeom>
-          <a:ln>
-            <a:tailEnd type="triangle"/>
-          </a:ln>
-        </p:spPr>
-        <p:style>
-          <a:lnRef idx="1">
-            <a:schemeClr val="accent2"/>
-          </a:lnRef>
-          <a:fillRef idx="0">
-            <a:schemeClr val="accent2"/>
-          </a:fillRef>
-          <a:effectRef idx="0">
-            <a:schemeClr val="accent2"/>
-          </a:effectRef>
-          <a:fontRef idx="minor">
-            <a:schemeClr val="tx1"/>
-          </a:fontRef>
-        </p:style>
-      </p:cxnSp>
-      <p:cxnSp>
-        <p:nvCxnSpPr>
-          <p:cNvPr id="13" name="Straight Connector 12"/>
-          <p:cNvCxnSpPr>
-            <a:endCxn id="7" idx="1"/>
-          </p:cNvCxnSpPr>
-          <p:nvPr/>
-        </p:nvCxnSpPr>
-        <p:spPr>
-          <a:xfrm>
-            <a:off x="4675909" y="3497836"/>
-            <a:ext cx="1047101" cy="1"/>
-          </a:xfrm>
-          <a:prstGeom prst="line">
-            <a:avLst/>
-          </a:prstGeom>
-        </p:spPr>
-        <p:style>
-          <a:lnRef idx="1">
-            <a:schemeClr val="accent2"/>
-          </a:lnRef>
-          <a:fillRef idx="0">
-            <a:schemeClr val="accent2"/>
-          </a:fillRef>
-          <a:effectRef idx="0">
-            <a:schemeClr val="accent2"/>
-          </a:effectRef>
-          <a:fontRef idx="minor">
-            <a:schemeClr val="tx1"/>
-          </a:fontRef>
-        </p:style>
-      </p:cxnSp>
-      <p:cxnSp>
-        <p:nvCxnSpPr>
-          <p:cNvPr id="15" name="Straight Arrow Connector 14"/>
-          <p:cNvCxnSpPr>
-            <a:stCxn id="6" idx="1"/>
-          </p:cNvCxnSpPr>
-          <p:nvPr/>
-        </p:nvCxnSpPr>
-        <p:spPr>
-          <a:xfrm flipH="1">
-            <a:off x="4530436" y="1908897"/>
-            <a:ext cx="1192574" cy="0"/>
-          </a:xfrm>
-          <a:prstGeom prst="straightConnector1">
-            <a:avLst/>
-          </a:prstGeom>
-          <a:ln>
-            <a:tailEnd type="triangle"/>
-          </a:ln>
-        </p:spPr>
-        <p:style>
-          <a:lnRef idx="1">
-            <a:schemeClr val="accent2"/>
-          </a:lnRef>
-          <a:fillRef idx="0">
-            <a:schemeClr val="accent2"/>
-          </a:fillRef>
-          <a:effectRef idx="0">
-            <a:schemeClr val="accent2"/>
-          </a:effectRef>
-          <a:fontRef idx="minor">
-            <a:schemeClr val="tx1"/>
-          </a:fontRef>
-        </p:style>
-      </p:cxnSp>
-      <p:pic>
-        <p:nvPicPr>
-          <p:cNvPr id="22" name="Picture 21"/>
-          <p:cNvPicPr>
-            <a:picLocks noChangeAspect="1"/>
-          </p:cNvPicPr>
-          <p:nvPr/>
-        </p:nvPicPr>
-        <p:blipFill>
-          <a:blip r:embed="rId5"/>
-          <a:stretch>
-            <a:fillRect/>
-          </a:stretch>
-        </p:blipFill>
-        <p:spPr>
-          <a:xfrm>
-            <a:off x="565872" y="4073663"/>
-            <a:ext cx="8048625" cy="1590675"/>
-          </a:xfrm>
-          <a:prstGeom prst="rect">
-            <a:avLst/>
-          </a:prstGeom>
-        </p:spPr>
-      </p:pic>
-      <p:sp>
-        <p:nvSpPr>
-          <p:cNvPr id="24" name="Rectangle 23"/>
-          <p:cNvSpPr/>
-          <p:nvPr/>
-        </p:nvSpPr>
-        <p:spPr>
-          <a:xfrm>
-            <a:off x="5723010" y="6021955"/>
-            <a:ext cx="5112327" cy="436419"/>
-          </a:xfrm>
-          <a:prstGeom prst="rect">
-            <a:avLst/>
-          </a:prstGeom>
-          <a:ln>
-            <a:noFill/>
-          </a:ln>
-        </p:spPr>
-        <p:style>
-          <a:lnRef idx="1">
-            <a:schemeClr val="accent2"/>
-          </a:lnRef>
-          <a:fillRef idx="2">
-            <a:schemeClr val="accent2"/>
-          </a:fillRef>
-          <a:effectRef idx="1">
-            <a:schemeClr val="accent2"/>
-          </a:effectRef>
-          <a:fontRef idx="minor">
-            <a:schemeClr val="dk1"/>
-          </a:fontRef>
-        </p:style>
-        <p:txBody>
-          <a:bodyPr rtlCol="0" anchor="ctr"/>
-          <a:lstStyle/>
-          <a:p>
-            <a:r>
-              <a:rPr lang="en-IN" dirty="0" smtClean="0"/>
-              <a:t>Check the iptables rule again and see the difference </a:t>
-            </a:r>
-            <a:endParaRPr lang="en-IN" dirty="0"/>
-          </a:p>
-        </p:txBody>
-      </p:sp>
-      <p:cxnSp>
-        <p:nvCxnSpPr>
-          <p:cNvPr id="26" name="Straight Arrow Connector 25"/>
-          <p:cNvCxnSpPr/>
-          <p:nvPr/>
-        </p:nvCxnSpPr>
-        <p:spPr>
-          <a:xfrm flipV="1">
-            <a:off x="4530436" y="5664338"/>
-            <a:ext cx="0" cy="575826"/>
-          </a:xfrm>
-          <a:prstGeom prst="straightConnector1">
-            <a:avLst/>
-          </a:prstGeom>
-          <a:ln>
-            <a:tailEnd type="triangle"/>
-          </a:ln>
-        </p:spPr>
-        <p:style>
-          <a:lnRef idx="1">
-            <a:schemeClr val="accent2"/>
-          </a:lnRef>
-          <a:fillRef idx="0">
-            <a:schemeClr val="accent2"/>
-          </a:fillRef>
-          <a:effectRef idx="0">
-            <a:schemeClr val="accent2"/>
-          </a:effectRef>
-          <a:fontRef idx="minor">
-            <a:schemeClr val="tx1"/>
-          </a:fontRef>
-        </p:style>
-      </p:cxnSp>
-      <p:cxnSp>
-        <p:nvCxnSpPr>
-          <p:cNvPr id="32" name="Straight Connector 31"/>
-          <p:cNvCxnSpPr>
-            <a:endCxn id="24" idx="1"/>
-          </p:cNvCxnSpPr>
-          <p:nvPr/>
-        </p:nvCxnSpPr>
-        <p:spPr>
-          <a:xfrm>
-            <a:off x="4530436" y="6240164"/>
-            <a:ext cx="1192574" cy="1"/>
-          </a:xfrm>
-          <a:prstGeom prst="line">
-            <a:avLst/>
-          </a:prstGeom>
-        </p:spPr>
-        <p:style>
-          <a:lnRef idx="1">
-            <a:schemeClr val="accent2"/>
-          </a:lnRef>
-          <a:fillRef idx="0">
-            <a:schemeClr val="accent2"/>
-          </a:fillRef>
-          <a:effectRef idx="0">
-            <a:schemeClr val="accent2"/>
-          </a:effectRef>
-          <a:fontRef idx="minor">
-            <a:schemeClr val="tx1"/>
-          </a:fontRef>
-        </p:style>
-      </p:cxnSp>
+        </p:spPr>
+        <p:txBody>
+          <a:bodyPr wrap="square">
+            <a:spAutoFit/>
+          </a:bodyPr>
+          <a:lstStyle/>
+          <a:p>
+            <a:r>
+              <a:rPr lang="en-IN" sz="2800" dirty="0"/>
+              <a:t>ssh -p </a:t>
+            </a:r>
+            <a:r>
+              <a:rPr lang="en-IN" sz="2800" dirty="0" smtClean="0"/>
+              <a:t>2222 </a:t>
+            </a:r>
+            <a:r>
+              <a:rPr lang="en-IN" sz="2800" dirty="0"/>
+              <a:t>192.168.56.104</a:t>
+            </a:r>
+          </a:p>
+        </p:txBody>
+      </p:sp>
     </p:spTree>
     <p:extLst>
       <p:ext uri="{BB962C8B-B14F-4D97-AF65-F5344CB8AC3E}">
-        <p14:creationId xmlns:p14="http://schemas.microsoft.com/office/powerpoint/2010/main" val="441646830"/>
+        <p14:creationId xmlns:p14="http://schemas.microsoft.com/office/powerpoint/2010/main" val="3720401027"/>
       </p:ext>
     </p:extLst>
   </p:cSld>
@@ -22706,78 +22679,112 @@
         </p:nvSpPr>
         <p:spPr>
           <a:xfrm>
-            <a:off x="0" y="207818"/>
+            <a:off x="0" y="0"/>
             <a:ext cx="12192000" cy="6858000"/>
           </a:xfrm>
         </p:spPr>
         <p:txBody>
-          <a:bodyPr>
-            <a:normAutofit/>
-          </a:bodyPr>
-          <a:lstStyle/>
-          <a:p>
-            <a:r>
-              <a:rPr lang="en-US" b="1" dirty="0" smtClean="0"/>
-              <a:t>Docker Networking</a:t>
-            </a:r>
-          </a:p>
-          <a:p>
-            <a:endParaRPr lang="en-US" b="1" dirty="0"/>
+          <a:bodyPr/>
+          <a:lstStyle/>
+          <a:p>
+            <a:r>
+              <a:rPr lang="en-US" sz="1800" b="1" dirty="0"/>
+              <a:t>Docker </a:t>
+            </a:r>
+            <a:r>
+              <a:rPr lang="en-US" sz="1800" b="1" dirty="0" smtClean="0"/>
+              <a:t>Networking</a:t>
+            </a:r>
           </a:p>
           <a:p>
             <a:pPr algn="l"/>
-            <a:r>
-              <a:rPr lang="en-IN" sz="1800" b="1" dirty="0"/>
-              <a:t>Docker and </a:t>
-            </a:r>
-            <a:r>
-              <a:rPr lang="en-IN" sz="1800" b="1" dirty="0" smtClean="0"/>
-              <a:t>iptables</a:t>
-            </a:r>
+            <a:endParaRPr lang="en-US" sz="1800" dirty="0" smtClean="0"/>
           </a:p>
           <a:p>
             <a:pPr algn="l"/>
-            <a:endParaRPr lang="en-IN" sz="1800" dirty="0"/>
+            <a:endParaRPr lang="en-US" sz="1800" dirty="0"/>
           </a:p>
           <a:p>
             <a:pPr algn="l"/>
-            <a:endParaRPr lang="en-IN" sz="1800" dirty="0"/>
+            <a:endParaRPr lang="en-US" sz="1800" dirty="0" smtClean="0"/>
           </a:p>
           <a:p>
             <a:pPr algn="l"/>
             <a:r>
-              <a:rPr lang="en-IN" sz="1800" dirty="0" smtClean="0"/>
-              <a:t> </a:t>
+              <a:rPr lang="en-US" sz="1800" b="1" dirty="0" smtClean="0"/>
+              <a:t>Default networks </a:t>
+            </a:r>
+            <a:r>
+              <a:rPr lang="en-US" sz="1800" dirty="0" smtClean="0"/>
+              <a:t>– When you install Docker, it creates three network automatically.</a:t>
             </a:r>
           </a:p>
           <a:p>
             <a:pPr algn="l"/>
             <a:r>
-              <a:rPr lang="en-IN" sz="1800" dirty="0"/>
+              <a:rPr lang="en-US" sz="1800" dirty="0"/>
               <a:t>	</a:t>
             </a:r>
             <a:r>
-              <a:rPr lang="en-IN" sz="1800" dirty="0" smtClean="0"/>
+              <a:rPr lang="en-US" sz="1800" dirty="0" smtClean="0"/>
               <a:t>	</a:t>
             </a:r>
-            <a:endParaRPr lang="en-IN" sz="1800" dirty="0"/>
           </a:p>
           <a:p>
             <a:pPr algn="l"/>
-            <a:endParaRPr lang="en-US" sz="1800" b="1" dirty="0" smtClean="0"/>
-          </a:p>
-          <a:p>
-            <a:endParaRPr lang="en-US" b="1" dirty="0"/>
+            <a:r>
+              <a:rPr lang="en-US" sz="1800" dirty="0"/>
+              <a:t>	</a:t>
+            </a:r>
+            <a:r>
+              <a:rPr lang="en-US" sz="1800" dirty="0" smtClean="0"/>
+              <a:t>	</a:t>
+            </a:r>
           </a:p>
           <a:p>
             <a:pPr algn="l"/>
-            <a:endParaRPr lang="en-US" dirty="0"/>
+            <a:endParaRPr lang="en-US" sz="1800" dirty="0"/>
+          </a:p>
+          <a:p>
+            <a:pPr algn="l"/>
+            <a:endParaRPr lang="en-US" sz="1800" dirty="0" smtClean="0"/>
+          </a:p>
+          <a:p>
+            <a:pPr algn="l"/>
+            <a:endParaRPr lang="en-US" sz="1800" dirty="0"/>
+          </a:p>
+          <a:p>
+            <a:pPr algn="l"/>
+            <a:r>
+              <a:rPr lang="en-US" sz="1800" dirty="0"/>
+              <a:t>	</a:t>
+            </a:r>
+            <a:r>
+              <a:rPr lang="en-US" sz="1800" dirty="0" smtClean="0"/>
+              <a:t>	  To list the network use below command:</a:t>
+            </a:r>
+          </a:p>
+          <a:p>
+            <a:pPr algn="l"/>
+            <a:r>
+              <a:rPr lang="en-US" sz="1800" dirty="0"/>
+              <a:t>	</a:t>
+            </a:r>
+            <a:r>
+              <a:rPr lang="en-US" sz="1800" dirty="0" smtClean="0"/>
+              <a:t>	 </a:t>
+            </a:r>
+            <a:endParaRPr lang="en-US" sz="1800" dirty="0"/>
+          </a:p>
+          <a:p>
+            <a:pPr algn="l"/>
+            <a:endParaRPr lang="en-US" sz="1800" dirty="0"/>
           </a:p>
         </p:txBody>
       </p:sp>
       <p:pic>
         <p:nvPicPr>
-          <p:cNvPr id="4" name="Picture 3"/>
+          <p:cNvPr id="2" name="Picture 1"/>
           <p:cNvPicPr>
             <a:picLocks noChangeAspect="1"/>
           </p:cNvPicPr>
@@ -22791,127 +22798,18 @@
         </p:blipFill>
         <p:spPr>
           <a:xfrm>
-            <a:off x="532966" y="1778577"/>
-            <a:ext cx="10239375" cy="419100"/>
+            <a:off x="2087706" y="3764973"/>
+            <a:ext cx="6991350" cy="990600"/>
           </a:xfrm>
           <a:prstGeom prst="rect">
             <a:avLst/>
           </a:prstGeom>
         </p:spPr>
       </p:pic>
-      <p:sp>
-        <p:nvSpPr>
-          <p:cNvPr id="5" name="Rectangle 4"/>
-          <p:cNvSpPr/>
-          <p:nvPr/>
-        </p:nvSpPr>
-        <p:spPr>
-          <a:xfrm>
-            <a:off x="5958537" y="2766137"/>
-            <a:ext cx="5112327" cy="436419"/>
-          </a:xfrm>
-          <a:prstGeom prst="rect">
-            <a:avLst/>
-          </a:prstGeom>
-          <a:ln>
-            <a:noFill/>
-          </a:ln>
-        </p:spPr>
-        <p:style>
-          <a:lnRef idx="1">
-            <a:schemeClr val="accent2"/>
-          </a:lnRef>
-          <a:fillRef idx="2">
-            <a:schemeClr val="accent2"/>
-          </a:fillRef>
-          <a:effectRef idx="1">
-            <a:schemeClr val="accent2"/>
-          </a:effectRef>
-          <a:fontRef idx="minor">
-            <a:schemeClr val="dk1"/>
-          </a:fontRef>
-        </p:style>
-        <p:txBody>
-          <a:bodyPr rtlCol="0" anchor="ctr"/>
-          <a:lstStyle/>
-          <a:p>
-            <a:r>
-              <a:rPr lang="en-IN" dirty="0" smtClean="0"/>
-              <a:t>Port 2222 is open on docker host</a:t>
-            </a:r>
-            <a:endParaRPr lang="en-IN" dirty="0"/>
-          </a:p>
-        </p:txBody>
-      </p:sp>
-      <p:cxnSp>
-        <p:nvCxnSpPr>
-          <p:cNvPr id="7" name="Straight Arrow Connector 6"/>
-          <p:cNvCxnSpPr/>
-          <p:nvPr/>
-        </p:nvCxnSpPr>
-        <p:spPr>
-          <a:xfrm flipV="1">
-            <a:off x="4336473" y="2250055"/>
-            <a:ext cx="0" cy="734291"/>
-          </a:xfrm>
-          <a:prstGeom prst="straightConnector1">
-            <a:avLst/>
-          </a:prstGeom>
-          <a:ln>
-            <a:tailEnd type="triangle"/>
-          </a:ln>
-        </p:spPr>
-        <p:style>
-          <a:lnRef idx="1">
-            <a:schemeClr val="accent2"/>
-          </a:lnRef>
-          <a:fillRef idx="0">
-            <a:schemeClr val="accent2"/>
-          </a:fillRef>
-          <a:effectRef idx="0">
-            <a:schemeClr val="accent2"/>
-          </a:effectRef>
-          <a:fontRef idx="minor">
-            <a:schemeClr val="tx1"/>
-          </a:fontRef>
-        </p:style>
-      </p:cxnSp>
-      <p:cxnSp>
-        <p:nvCxnSpPr>
-          <p:cNvPr id="14" name="Straight Connector 13"/>
-          <p:cNvCxnSpPr>
-            <a:endCxn id="5" idx="1"/>
-          </p:cNvCxnSpPr>
-          <p:nvPr/>
-        </p:nvCxnSpPr>
-        <p:spPr>
-          <a:xfrm>
-            <a:off x="4336473" y="2984346"/>
-            <a:ext cx="1622064" cy="1"/>
-          </a:xfrm>
-          <a:prstGeom prst="line">
-            <a:avLst/>
-          </a:prstGeom>
-        </p:spPr>
-        <p:style>
-          <a:lnRef idx="1">
-            <a:schemeClr val="accent2"/>
-          </a:lnRef>
-          <a:fillRef idx="0">
-            <a:schemeClr val="accent2"/>
-          </a:fillRef>
-          <a:effectRef idx="0">
-            <a:schemeClr val="accent2"/>
-          </a:effectRef>
-          <a:fontRef idx="minor">
-            <a:schemeClr val="tx1"/>
-          </a:fontRef>
-        </p:style>
-      </p:cxnSp>
     </p:spTree>
     <p:extLst>
       <p:ext uri="{BB962C8B-B14F-4D97-AF65-F5344CB8AC3E}">
-        <p14:creationId xmlns:p14="http://schemas.microsoft.com/office/powerpoint/2010/main" val="624599040"/>
+        <p14:creationId xmlns:p14="http://schemas.microsoft.com/office/powerpoint/2010/main" val="4085506940"/>
       </p:ext>
     </p:extLst>
   </p:cSld>
@@ -22969,30 +22867,111 @@
         </p:nvSpPr>
         <p:spPr>
           <a:xfrm>
-            <a:off x="0" y="207818"/>
+            <a:off x="0" y="0"/>
             <a:ext cx="12192000" cy="6858000"/>
           </a:xfrm>
         </p:spPr>
         <p:txBody>
-          <a:bodyPr>
-            <a:normAutofit/>
-          </a:bodyPr>
-          <a:lstStyle/>
-          <a:p>
-            <a:r>
-              <a:rPr lang="en-US" b="1" dirty="0" smtClean="0"/>
-              <a:t>Docker Networking</a:t>
-            </a:r>
-          </a:p>
-          <a:p>
-            <a:endParaRPr lang="en-US" b="1" dirty="0"/>
+          <a:bodyPr/>
+          <a:lstStyle/>
+          <a:p>
+            <a:r>
+              <a:rPr lang="en-US" sz="1800" b="1" dirty="0"/>
+              <a:t>Docker </a:t>
+            </a:r>
+            <a:r>
+              <a:rPr lang="en-US" sz="1800" b="1" dirty="0" smtClean="0"/>
+              <a:t>Networking</a:t>
+            </a:r>
           </a:p>
           <a:p>
             <a:pPr algn="l"/>
+            <a:endParaRPr lang="en-US" sz="1800" dirty="0" smtClean="0"/>
+          </a:p>
+          <a:p>
+            <a:pPr algn="l"/>
+            <a:r>
+              <a:rPr lang="en-US" sz="1800" dirty="0"/>
+              <a:t>	</a:t>
+            </a:r>
+            <a:r>
+              <a:rPr lang="en-US" sz="1800" dirty="0" smtClean="0"/>
+              <a:t>	 </a:t>
+            </a:r>
+            <a:endParaRPr lang="en-US" sz="1800" dirty="0"/>
+          </a:p>
+          <a:p>
+            <a:pPr algn="l"/>
+            <a:r>
+              <a:rPr lang="en-US" sz="1800" b="1" dirty="0"/>
+              <a:t>Default </a:t>
+            </a:r>
+            <a:r>
+              <a:rPr lang="en-US" sz="1800" b="1" dirty="0" smtClean="0"/>
+              <a:t>networks </a:t>
+            </a:r>
+            <a:r>
+              <a:rPr lang="en-US" sz="1800" dirty="0" smtClean="0"/>
+              <a:t>- </a:t>
+            </a:r>
+            <a:r>
+              <a:rPr lang="en-IN" sz="1800" dirty="0"/>
+              <a:t>The bridge network represents the docker0 network present in all Docker installations. </a:t>
+            </a:r>
             <a:r>
               <a:rPr lang="en-IN" sz="1800" dirty="0" smtClean="0"/>
-              <a:t>On node1 make sure sshd service is running </a:t>
-            </a:r>
+              <a:t> To change the network  run below command </a:t>
+            </a:r>
+          </a:p>
+          <a:p>
+            <a:pPr algn="l"/>
+            <a:endParaRPr lang="en-IN" sz="1800" dirty="0"/>
+          </a:p>
+          <a:p>
+            <a:pPr algn="l"/>
+            <a:endParaRPr lang="en-IN" sz="1800" dirty="0" smtClean="0"/>
+          </a:p>
+          <a:p>
+            <a:pPr algn="l"/>
+            <a:endParaRPr lang="en-IN" sz="1800" dirty="0"/>
+          </a:p>
+          <a:p>
+            <a:pPr algn="l"/>
+            <a:endParaRPr lang="en-IN" sz="1800" dirty="0" smtClean="0"/>
+          </a:p>
+          <a:p>
+            <a:pPr algn="l"/>
+            <a:endParaRPr lang="en-IN" sz="1800" dirty="0"/>
+          </a:p>
+          <a:p>
+            <a:pPr algn="l"/>
+            <a:endParaRPr lang="en-IN" sz="1800" dirty="0" smtClean="0"/>
+          </a:p>
+          <a:p>
+            <a:pPr algn="l"/>
+            <a:r>
+              <a:rPr lang="en-IN" sz="1800" dirty="0" smtClean="0"/>
+              <a:t>We can see </a:t>
+            </a:r>
+            <a:r>
+              <a:rPr lang="en-IN" sz="1800" dirty="0"/>
+              <a:t>the </a:t>
+            </a:r>
+            <a:r>
+              <a:rPr lang="en-IN" sz="1800" dirty="0" smtClean="0"/>
+              <a:t>docker0 </a:t>
+            </a:r>
+            <a:r>
+              <a:rPr lang="en-IN" sz="1800" dirty="0"/>
+              <a:t>bridge as </a:t>
+            </a:r>
+            <a:r>
+              <a:rPr lang="en-IN" sz="1800" dirty="0" smtClean="0"/>
+              <a:t>part of host network.</a:t>
+            </a:r>
+          </a:p>
+          <a:p>
+            <a:pPr algn="l"/>
             <a:endParaRPr lang="en-IN" sz="1800" dirty="0"/>
           </a:p>
           <a:p>
@@ -23001,38 +22980,20 @@
               <a:rPr lang="en-IN" sz="1800" dirty="0" smtClean="0"/>
               <a:t> </a:t>
             </a:r>
-          </a:p>
-          <a:p>
-            <a:pPr algn="l"/>
-            <a:r>
-              <a:rPr lang="en-IN" sz="1800" dirty="0" smtClean="0"/>
-              <a:t>Check the connection to container by using below command.	</a:t>
-            </a:r>
-            <a:endParaRPr lang="en-IN" sz="1800" dirty="0"/>
-          </a:p>
-          <a:p>
-            <a:pPr algn="l"/>
-            <a:endParaRPr lang="en-US" sz="1800" b="1" dirty="0" smtClean="0"/>
-          </a:p>
-          <a:p>
-            <a:endParaRPr lang="en-US" b="1" dirty="0"/>
-          </a:p>
-          <a:p>
-            <a:pPr algn="l"/>
-            <a:endParaRPr lang="en-US" dirty="0"/>
-          </a:p>
-        </p:txBody>
-      </p:sp>
-      <p:sp>
-        <p:nvSpPr>
-          <p:cNvPr id="2" name="Rectangle 1"/>
+            <a:endParaRPr lang="en-US" sz="1800" dirty="0"/>
+          </a:p>
+        </p:txBody>
+      </p:sp>
+      <p:sp>
+        <p:nvSpPr>
+          <p:cNvPr id="5" name="Rectangle 4"/>
           <p:cNvSpPr/>
           <p:nvPr/>
         </p:nvSpPr>
         <p:spPr>
           <a:xfrm>
-            <a:off x="1662545" y="2163678"/>
-            <a:ext cx="7342909" cy="523220"/>
+            <a:off x="1648690" y="1872733"/>
+            <a:ext cx="7342909" cy="461665"/>
           </a:xfrm>
           <a:prstGeom prst="rect">
             <a:avLst/>
@@ -23045,24 +23006,41 @@
           <a:lstStyle/>
           <a:p>
             <a:r>
-              <a:rPr lang="en-IN" sz="2800" dirty="0"/>
-              <a:t>ssh -p </a:t>
-            </a:r>
-            <a:r>
-              <a:rPr lang="en-IN" sz="2800" dirty="0" smtClean="0"/>
-              <a:t>2222 </a:t>
-            </a:r>
-            <a:r>
-              <a:rPr lang="en-IN" sz="2800" dirty="0"/>
-              <a:t>192.168.56.104</a:t>
-            </a:r>
-          </a:p>
-        </p:txBody>
-      </p:sp>
+              <a:rPr lang="en-IN" sz="2400" dirty="0"/>
+              <a:t>docker run --network=&lt;NETWORK&gt;</a:t>
+            </a:r>
+            <a:endParaRPr lang="en-IN" sz="3600" dirty="0"/>
+          </a:p>
+        </p:txBody>
+      </p:sp>
+      <p:pic>
+        <p:nvPicPr>
+          <p:cNvPr id="7" name="Picture 6"/>
+          <p:cNvPicPr>
+            <a:picLocks noChangeAspect="1"/>
+          </p:cNvPicPr>
+          <p:nvPr/>
+        </p:nvPicPr>
+        <p:blipFill>
+          <a:blip r:embed="rId3"/>
+          <a:stretch>
+            <a:fillRect/>
+          </a:stretch>
+        </p:blipFill>
+        <p:spPr>
+          <a:xfrm>
+            <a:off x="1648690" y="4336473"/>
+            <a:ext cx="8086725" cy="1676400"/>
+          </a:xfrm>
+          <a:prstGeom prst="rect">
+            <a:avLst/>
+          </a:prstGeom>
+        </p:spPr>
+      </p:pic>
     </p:spTree>
     <p:extLst>
       <p:ext uri="{BB962C8B-B14F-4D97-AF65-F5344CB8AC3E}">
-        <p14:creationId xmlns:p14="http://schemas.microsoft.com/office/powerpoint/2010/main" val="3720401027"/>
+        <p14:creationId xmlns:p14="http://schemas.microsoft.com/office/powerpoint/2010/main" val="4260227905"/>
       </p:ext>
     </p:extLst>
   </p:cSld>
@@ -23139,78 +23117,10 @@
           </a:p>
           <a:p>
             <a:pPr algn="l"/>
-            <a:endParaRPr lang="en-US" sz="1800" dirty="0" smtClean="0"/>
+            <a:endParaRPr lang="en-US" sz="1800" dirty="0"/>
           </a:p>
           <a:p>
             <a:pPr algn="l"/>
-            <a:endParaRPr lang="en-US" sz="1800" dirty="0"/>
-          </a:p>
-          <a:p>
-            <a:pPr algn="l"/>
-            <a:endParaRPr lang="en-US" sz="1800" dirty="0" smtClean="0"/>
-          </a:p>
-          <a:p>
-            <a:pPr algn="l"/>
-            <a:r>
-              <a:rPr lang="en-US" sz="1800" b="1" dirty="0" smtClean="0"/>
-              <a:t>Default networks </a:t>
-            </a:r>
-            <a:r>
-              <a:rPr lang="en-US" sz="1800" dirty="0" smtClean="0"/>
-              <a:t>– When you install Docker, it creates three network automatically.</a:t>
-            </a:r>
-          </a:p>
-          <a:p>
-            <a:pPr algn="l"/>
-            <a:r>
-              <a:rPr lang="en-US" sz="1800" dirty="0"/>
-              <a:t>	</a:t>
-            </a:r>
-            <a:r>
-              <a:rPr lang="en-US" sz="1800" dirty="0" smtClean="0"/>
-              <a:t>	</a:t>
-            </a:r>
-          </a:p>
-          <a:p>
-            <a:pPr algn="l"/>
-            <a:r>
-              <a:rPr lang="en-US" sz="1800" dirty="0"/>
-              <a:t>	</a:t>
-            </a:r>
-            <a:r>
-              <a:rPr lang="en-US" sz="1800" dirty="0" smtClean="0"/>
-              <a:t>	</a:t>
-            </a:r>
-          </a:p>
-          <a:p>
-            <a:pPr algn="l"/>
-            <a:endParaRPr lang="en-US" sz="1800" dirty="0"/>
-          </a:p>
-          <a:p>
-            <a:pPr algn="l"/>
-            <a:endParaRPr lang="en-US" sz="1800" dirty="0" smtClean="0"/>
-          </a:p>
-          <a:p>
-            <a:pPr algn="l"/>
-            <a:endParaRPr lang="en-US" sz="1800" dirty="0"/>
-          </a:p>
-          <a:p>
-            <a:pPr algn="l"/>
-            <a:r>
-              <a:rPr lang="en-US" sz="1800" dirty="0"/>
-              <a:t>	</a:t>
-            </a:r>
-            <a:r>
-              <a:rPr lang="en-US" sz="1800" dirty="0" smtClean="0"/>
-              <a:t>	  To list the network use below command:</a:t>
-            </a:r>
-          </a:p>
-          <a:p>
-            <a:pPr algn="l"/>
-            <a:r>
-              <a:rPr lang="en-US" sz="1800" dirty="0"/>
-              <a:t>	</a:t>
-            </a:r>
             <a:r>
               <a:rPr lang="en-US" sz="1800" dirty="0" smtClean="0"/>
               <a:t>	 </a:t>
@@ -23219,6 +23129,39 @@
           </a:p>
           <a:p>
             <a:pPr algn="l"/>
+            <a:r>
+              <a:rPr lang="en-IN" sz="1800" dirty="0" smtClean="0"/>
+              <a:t>Once way to not assign network to docker we can use non network.</a:t>
+            </a:r>
+          </a:p>
+          <a:p>
+            <a:pPr algn="l"/>
+            <a:endParaRPr lang="en-IN" sz="1800" dirty="0"/>
+          </a:p>
+          <a:p>
+            <a:pPr algn="l"/>
+            <a:endParaRPr lang="en-IN" sz="1800" dirty="0" smtClean="0"/>
+          </a:p>
+          <a:p>
+            <a:pPr marL="285750" indent="-285750" algn="l">
+              <a:buFontTx/>
+              <a:buChar char="-"/>
+            </a:pPr>
+            <a:endParaRPr lang="en-IN" sz="1800" dirty="0"/>
+          </a:p>
+          <a:p>
+            <a:pPr marL="285750" indent="-285750" algn="l">
+              <a:buFontTx/>
+              <a:buChar char="-"/>
+            </a:pPr>
+            <a:endParaRPr lang="en-IN" sz="1800" dirty="0"/>
+          </a:p>
+          <a:p>
+            <a:pPr algn="l"/>
+            <a:r>
+              <a:rPr lang="en-IN" sz="1800" dirty="0" smtClean="0"/>
+              <a:t> </a:t>
+            </a:r>
             <a:endParaRPr lang="en-US" sz="1800" dirty="0"/>
           </a:p>
         </p:txBody>
@@ -23239,8 +23182,32 @@
         </p:blipFill>
         <p:spPr>
           <a:xfrm>
-            <a:off x="2087706" y="3764973"/>
-            <a:ext cx="6991350" cy="990600"/>
+            <a:off x="1107930" y="1524866"/>
+            <a:ext cx="9172575" cy="400050"/>
+          </a:xfrm>
+          <a:prstGeom prst="rect">
+            <a:avLst/>
+          </a:prstGeom>
+        </p:spPr>
+      </p:pic>
+      <p:pic>
+        <p:nvPicPr>
+          <p:cNvPr id="4" name="Picture 3"/>
+          <p:cNvPicPr>
+            <a:picLocks noChangeAspect="1"/>
+          </p:cNvPicPr>
+          <p:nvPr/>
+        </p:nvPicPr>
+        <p:blipFill>
+          <a:blip r:embed="rId4"/>
+          <a:stretch>
+            <a:fillRect/>
+          </a:stretch>
+        </p:blipFill>
+        <p:spPr>
+          <a:xfrm>
+            <a:off x="1107930" y="2276908"/>
+            <a:ext cx="10915650" cy="4229100"/>
           </a:xfrm>
           <a:prstGeom prst="rect">
             <a:avLst/>
@@ -23250,7 +23217,7 @@
     </p:spTree>
     <p:extLst>
       <p:ext uri="{BB962C8B-B14F-4D97-AF65-F5344CB8AC3E}">
-        <p14:creationId xmlns:p14="http://schemas.microsoft.com/office/powerpoint/2010/main" val="4085506940"/>
+        <p14:creationId xmlns:p14="http://schemas.microsoft.com/office/powerpoint/2010/main" val="1036258718"/>
       </p:ext>
     </p:extLst>
   </p:cSld>
@@ -23452,14 +23419,10 @@
           </a:p>
           <a:p>
             <a:pPr algn="l"/>
-            <a:endParaRPr lang="en-US" sz="1800" dirty="0" smtClean="0"/>
+            <a:endParaRPr lang="en-US" sz="1800" dirty="0"/>
           </a:p>
           <a:p>
             <a:pPr algn="l"/>
-            <a:r>
-              <a:rPr lang="en-US" sz="1800" dirty="0"/>
-              <a:t>	</a:t>
-            </a:r>
             <a:r>
               <a:rPr lang="en-US" sz="1800" dirty="0" smtClean="0"/>
               <a:t>	 </a:t>
@@ -23469,240 +23432,25 @@
           <a:p>
             <a:pPr algn="l"/>
             <a:r>
-              <a:rPr lang="en-US" sz="1800" b="1" dirty="0"/>
-              <a:t>Default </a:t>
-            </a:r>
-            <a:r>
-              <a:rPr lang="en-US" sz="1800" b="1" dirty="0" smtClean="0"/>
-              <a:t>networks </a:t>
-            </a:r>
-            <a:r>
-              <a:rPr lang="en-US" sz="1800" dirty="0" smtClean="0"/>
-              <a:t>- </a:t>
-            </a:r>
-            <a:r>
-              <a:rPr lang="en-IN" sz="1800" dirty="0"/>
-              <a:t>The bridge network represents the docker0 network present in all Docker installations. </a:t>
-            </a:r>
-            <a:r>
-              <a:rPr lang="en-IN" sz="1800" dirty="0" smtClean="0"/>
-              <a:t> To change the network  run below command </a:t>
+              <a:rPr lang="en-IN" dirty="0"/>
+              <a:t>The default bridge </a:t>
+            </a:r>
+            <a:r>
+              <a:rPr lang="en-IN" dirty="0" smtClean="0"/>
+              <a:t>network</a:t>
             </a:r>
           </a:p>
           <a:p>
             <a:pPr algn="l"/>
-            <a:endParaRPr lang="en-IN" sz="1800" dirty="0"/>
+            <a:endParaRPr lang="en-IN" dirty="0"/>
           </a:p>
           <a:p>
             <a:pPr algn="l"/>
-            <a:endParaRPr lang="en-IN" sz="1800" dirty="0" smtClean="0"/>
-          </a:p>
-          <a:p>
-            <a:pPr algn="l"/>
-            <a:endParaRPr lang="en-IN" sz="1800" dirty="0"/>
-          </a:p>
-          <a:p>
-            <a:pPr algn="l"/>
-            <a:endParaRPr lang="en-IN" sz="1800" dirty="0" smtClean="0"/>
-          </a:p>
-          <a:p>
-            <a:pPr algn="l"/>
-            <a:endParaRPr lang="en-IN" sz="1800" dirty="0"/>
-          </a:p>
-          <a:p>
-            <a:pPr algn="l"/>
-            <a:endParaRPr lang="en-IN" sz="1800" dirty="0" smtClean="0"/>
-          </a:p>
-          <a:p>
-            <a:pPr algn="l"/>
-            <a:r>
-              <a:rPr lang="en-IN" sz="1800" dirty="0" smtClean="0"/>
-              <a:t>We can see </a:t>
-            </a:r>
-            <a:r>
-              <a:rPr lang="en-IN" sz="1800" dirty="0"/>
-              <a:t>the </a:t>
-            </a:r>
-            <a:r>
-              <a:rPr lang="en-IN" sz="1800" dirty="0" smtClean="0"/>
-              <a:t>docker0 </a:t>
-            </a:r>
-            <a:r>
-              <a:rPr lang="en-IN" sz="1800" dirty="0"/>
-              <a:t>bridge </a:t>
-            </a:r>
-            <a:r>
-              <a:rPr lang="en-IN" sz="1800" dirty="0"/>
-              <a:t>as </a:t>
-            </a:r>
-            <a:r>
-              <a:rPr lang="en-IN" sz="1800" dirty="0" smtClean="0"/>
-              <a:t>part of host network.</a:t>
-            </a:r>
-          </a:p>
-          <a:p>
-            <a:pPr algn="l"/>
-            <a:endParaRPr lang="en-IN" sz="1800" dirty="0"/>
-          </a:p>
-          <a:p>
-            <a:pPr algn="l"/>
-            <a:r>
-              <a:rPr lang="en-IN" sz="1800" dirty="0" smtClean="0"/>
-              <a:t> </a:t>
-            </a:r>
-            <a:endParaRPr lang="en-US" sz="1800" dirty="0"/>
-          </a:p>
-        </p:txBody>
-      </p:sp>
-      <p:sp>
-        <p:nvSpPr>
-          <p:cNvPr id="5" name="Rectangle 4"/>
-          <p:cNvSpPr/>
-          <p:nvPr/>
-        </p:nvSpPr>
-        <p:spPr>
-          <a:xfrm>
-            <a:off x="1648690" y="1872733"/>
-            <a:ext cx="7342909" cy="461665"/>
-          </a:xfrm>
-          <a:prstGeom prst="rect">
-            <a:avLst/>
-          </a:prstGeom>
-        </p:spPr>
-        <p:txBody>
-          <a:bodyPr wrap="square">
-            <a:spAutoFit/>
-          </a:bodyPr>
-          <a:lstStyle/>
-          <a:p>
-            <a:r>
-              <a:rPr lang="en-IN" sz="2400" dirty="0"/>
-              <a:t>docker run --network=&lt;NETWORK&gt;</a:t>
-            </a:r>
-            <a:endParaRPr lang="en-IN" sz="3600" dirty="0"/>
-          </a:p>
-        </p:txBody>
-      </p:sp>
-      <p:pic>
-        <p:nvPicPr>
-          <p:cNvPr id="7" name="Picture 6"/>
-          <p:cNvPicPr>
-            <a:picLocks noChangeAspect="1"/>
-          </p:cNvPicPr>
-          <p:nvPr/>
-        </p:nvPicPr>
-        <p:blipFill>
-          <a:blip r:embed="rId3"/>
-          <a:stretch>
-            <a:fillRect/>
-          </a:stretch>
-        </p:blipFill>
-        <p:spPr>
-          <a:xfrm>
-            <a:off x="1648690" y="4336473"/>
-            <a:ext cx="8086725" cy="1676400"/>
-          </a:xfrm>
-          <a:prstGeom prst="rect">
-            <a:avLst/>
-          </a:prstGeom>
-        </p:spPr>
-      </p:pic>
-    </p:spTree>
-    <p:extLst>
-      <p:ext uri="{BB962C8B-B14F-4D97-AF65-F5344CB8AC3E}">
-        <p14:creationId xmlns:p14="http://schemas.microsoft.com/office/powerpoint/2010/main" val="4260227905"/>
-      </p:ext>
-    </p:extLst>
-  </p:cSld>
-  <p:clrMapOvr>
-    <a:masterClrMapping/>
-  </p:clrMapOvr>
-  <mc:AlternateContent xmlns:mc="http://schemas.openxmlformats.org/markup-compatibility/2006" xmlns:p14="http://schemas.microsoft.com/office/powerpoint/2010/main">
-    <mc:Choice Requires="p14">
-      <p:transition spd="med" p14:dur="700">
-        <p:fade/>
-      </p:transition>
-    </mc:Choice>
-    <mc:Fallback xmlns="">
-      <p:transition spd="med">
-        <p:fade/>
-      </p:transition>
-    </mc:Fallback>
-  </mc:AlternateContent>
-  <p:timing>
-    <p:tnLst>
-      <p:par>
-        <p:cTn id="1" dur="indefinite" restart="never" nodeType="tmRoot"/>
-      </p:par>
-    </p:tnLst>
-  </p:timing>
-</p:sld>
-</file>
-
-<file path=ppt/slides/slide51.xml><?xml version="1.0" encoding="utf-8"?>
-<p:sld xmlns:a="http://schemas.openxmlformats.org/drawingml/2006/main" xmlns:r="http://schemas.openxmlformats.org/officeDocument/2006/relationships" xmlns:p="http://schemas.openxmlformats.org/presentationml/2006/main">
-  <p:cSld>
-    <p:spTree>
-      <p:nvGrpSpPr>
-        <p:cNvPr id="1" name=""/>
-        <p:cNvGrpSpPr/>
-        <p:nvPr/>
-      </p:nvGrpSpPr>
-      <p:grpSpPr>
-        <a:xfrm>
-          <a:off x="0" y="0"/>
-          <a:ext cx="0" cy="0"/>
-          <a:chOff x="0" y="0"/>
-          <a:chExt cx="0" cy="0"/>
-        </a:xfrm>
-      </p:grpSpPr>
-      <p:sp>
-        <p:nvSpPr>
-          <p:cNvPr id="3" name="Subtitle 2"/>
-          <p:cNvSpPr>
-            <a:spLocks noGrp="1"/>
-          </p:cNvSpPr>
-          <p:nvPr>
-            <p:ph type="subTitle" idx="1"/>
-          </p:nvPr>
-        </p:nvSpPr>
-        <p:spPr>
-          <a:xfrm>
-            <a:off x="0" y="0"/>
-            <a:ext cx="12192000" cy="6858000"/>
-          </a:xfrm>
-        </p:spPr>
-        <p:txBody>
-          <a:bodyPr/>
-          <a:lstStyle/>
-          <a:p>
-            <a:r>
-              <a:rPr lang="en-US" sz="1800" b="1" dirty="0"/>
-              <a:t>Docker </a:t>
-            </a:r>
-            <a:r>
-              <a:rPr lang="en-US" sz="1800" b="1" dirty="0" smtClean="0"/>
-              <a:t>Networking</a:t>
-            </a:r>
-          </a:p>
-          <a:p>
-            <a:pPr algn="l"/>
-            <a:endParaRPr lang="en-US" sz="1800" dirty="0"/>
-          </a:p>
-          <a:p>
-            <a:pPr algn="l"/>
-            <a:r>
-              <a:rPr lang="en-US" sz="1800" dirty="0" smtClean="0"/>
-              <a:t>	 </a:t>
-            </a:r>
-            <a:endParaRPr lang="en-US" sz="1800" dirty="0"/>
-          </a:p>
-          <a:p>
-            <a:pPr algn="l"/>
-            <a:r>
-              <a:rPr lang="en-IN" sz="1800" dirty="0" smtClean="0"/>
-              <a:t>Once way to not assign network to docker we can use non network.</a:t>
-            </a:r>
+            <a:r>
+              <a:rPr lang="en-IN" dirty="0" smtClean="0"/>
+              <a:t>	</a:t>
+            </a:r>
+            <a:endParaRPr lang="en-IN" dirty="0"/>
           </a:p>
           <a:p>
             <a:pPr algn="l"/>
@@ -23736,199 +23484,6 @@
           </a:p>
         </p:txBody>
       </p:sp>
-      <p:pic>
-        <p:nvPicPr>
-          <p:cNvPr id="2" name="Picture 1"/>
-          <p:cNvPicPr>
-            <a:picLocks noChangeAspect="1"/>
-          </p:cNvPicPr>
-          <p:nvPr/>
-        </p:nvPicPr>
-        <p:blipFill>
-          <a:blip r:embed="rId3"/>
-          <a:stretch>
-            <a:fillRect/>
-          </a:stretch>
-        </p:blipFill>
-        <p:spPr>
-          <a:xfrm>
-            <a:off x="1107930" y="1524866"/>
-            <a:ext cx="9172575" cy="400050"/>
-          </a:xfrm>
-          <a:prstGeom prst="rect">
-            <a:avLst/>
-          </a:prstGeom>
-        </p:spPr>
-      </p:pic>
-      <p:pic>
-        <p:nvPicPr>
-          <p:cNvPr id="4" name="Picture 3"/>
-          <p:cNvPicPr>
-            <a:picLocks noChangeAspect="1"/>
-          </p:cNvPicPr>
-          <p:nvPr/>
-        </p:nvPicPr>
-        <p:blipFill>
-          <a:blip r:embed="rId4"/>
-          <a:stretch>
-            <a:fillRect/>
-          </a:stretch>
-        </p:blipFill>
-        <p:spPr>
-          <a:xfrm>
-            <a:off x="1107930" y="2276908"/>
-            <a:ext cx="10915650" cy="4229100"/>
-          </a:xfrm>
-          <a:prstGeom prst="rect">
-            <a:avLst/>
-          </a:prstGeom>
-        </p:spPr>
-      </p:pic>
-    </p:spTree>
-    <p:extLst>
-      <p:ext uri="{BB962C8B-B14F-4D97-AF65-F5344CB8AC3E}">
-        <p14:creationId xmlns:p14="http://schemas.microsoft.com/office/powerpoint/2010/main" val="1036258718"/>
-      </p:ext>
-    </p:extLst>
-  </p:cSld>
-  <p:clrMapOvr>
-    <a:masterClrMapping/>
-  </p:clrMapOvr>
-  <mc:AlternateContent xmlns:mc="http://schemas.openxmlformats.org/markup-compatibility/2006" xmlns:p14="http://schemas.microsoft.com/office/powerpoint/2010/main">
-    <mc:Choice Requires="p14">
-      <p:transition spd="med" p14:dur="700">
-        <p:fade/>
-      </p:transition>
-    </mc:Choice>
-    <mc:Fallback xmlns="">
-      <p:transition spd="med">
-        <p:fade/>
-      </p:transition>
-    </mc:Fallback>
-  </mc:AlternateContent>
-  <p:timing>
-    <p:tnLst>
-      <p:par>
-        <p:cTn id="1" dur="indefinite" restart="never" nodeType="tmRoot"/>
-      </p:par>
-    </p:tnLst>
-  </p:timing>
-</p:sld>
-</file>
-
-<file path=ppt/slides/slide52.xml><?xml version="1.0" encoding="utf-8"?>
-<p:sld xmlns:a="http://schemas.openxmlformats.org/drawingml/2006/main" xmlns:r="http://schemas.openxmlformats.org/officeDocument/2006/relationships" xmlns:p="http://schemas.openxmlformats.org/presentationml/2006/main">
-  <p:cSld>
-    <p:spTree>
-      <p:nvGrpSpPr>
-        <p:cNvPr id="1" name=""/>
-        <p:cNvGrpSpPr/>
-        <p:nvPr/>
-      </p:nvGrpSpPr>
-      <p:grpSpPr>
-        <a:xfrm>
-          <a:off x="0" y="0"/>
-          <a:ext cx="0" cy="0"/>
-          <a:chOff x="0" y="0"/>
-          <a:chExt cx="0" cy="0"/>
-        </a:xfrm>
-      </p:grpSpPr>
-      <p:sp>
-        <p:nvSpPr>
-          <p:cNvPr id="3" name="Subtitle 2"/>
-          <p:cNvSpPr>
-            <a:spLocks noGrp="1"/>
-          </p:cNvSpPr>
-          <p:nvPr>
-            <p:ph type="subTitle" idx="1"/>
-          </p:nvPr>
-        </p:nvSpPr>
-        <p:spPr>
-          <a:xfrm>
-            <a:off x="0" y="0"/>
-            <a:ext cx="12192000" cy="6858000"/>
-          </a:xfrm>
-        </p:spPr>
-        <p:txBody>
-          <a:bodyPr/>
-          <a:lstStyle/>
-          <a:p>
-            <a:r>
-              <a:rPr lang="en-US" sz="1800" b="1" dirty="0"/>
-              <a:t>Docker </a:t>
-            </a:r>
-            <a:r>
-              <a:rPr lang="en-US" sz="1800" b="1" dirty="0" smtClean="0"/>
-              <a:t>Networking</a:t>
-            </a:r>
-          </a:p>
-          <a:p>
-            <a:pPr algn="l"/>
-            <a:endParaRPr lang="en-US" sz="1800" dirty="0"/>
-          </a:p>
-          <a:p>
-            <a:pPr algn="l"/>
-            <a:r>
-              <a:rPr lang="en-US" sz="1800" dirty="0" smtClean="0"/>
-              <a:t>	 </a:t>
-            </a:r>
-            <a:endParaRPr lang="en-US" sz="1800" dirty="0"/>
-          </a:p>
-          <a:p>
-            <a:pPr algn="l"/>
-            <a:r>
-              <a:rPr lang="en-IN" dirty="0"/>
-              <a:t>The default bridge </a:t>
-            </a:r>
-            <a:r>
-              <a:rPr lang="en-IN" dirty="0" smtClean="0"/>
-              <a:t>network</a:t>
-            </a:r>
-          </a:p>
-          <a:p>
-            <a:pPr algn="l"/>
-            <a:endParaRPr lang="en-IN" dirty="0"/>
-          </a:p>
-          <a:p>
-            <a:pPr algn="l"/>
-            <a:r>
-              <a:rPr lang="en-IN" dirty="0" smtClean="0"/>
-              <a:t>	</a:t>
-            </a:r>
-            <a:endParaRPr lang="en-IN" dirty="0"/>
-          </a:p>
-          <a:p>
-            <a:pPr algn="l"/>
-            <a:endParaRPr lang="en-IN" sz="1800" dirty="0"/>
-          </a:p>
-          <a:p>
-            <a:pPr algn="l"/>
-            <a:endParaRPr lang="en-IN" sz="1800" dirty="0" smtClean="0"/>
-          </a:p>
-          <a:p>
-            <a:pPr marL="285750" indent="-285750" algn="l">
-              <a:buFontTx/>
-              <a:buChar char="-"/>
-            </a:pPr>
-            <a:endParaRPr lang="en-IN" sz="1800" dirty="0"/>
-          </a:p>
-          <a:p>
-            <a:pPr marL="285750" indent="-285750" algn="l">
-              <a:buFontTx/>
-              <a:buChar char="-"/>
-            </a:pPr>
-            <a:endParaRPr lang="en-IN" sz="1800" dirty="0"/>
-          </a:p>
-          <a:p>
-            <a:pPr algn="l"/>
-            <a:r>
-              <a:rPr lang="en-IN" sz="1800" dirty="0" smtClean="0"/>
-              <a:t> </a:t>
-            </a:r>
-            <a:endParaRPr lang="en-US" sz="1800" dirty="0"/>
-          </a:p>
-        </p:txBody>
-      </p:sp>
       <p:sp>
         <p:nvSpPr>
           <p:cNvPr id="5" name="Rectangle 4"/>
@@ -23981,129 +23536,6 @@
     <p:extLst>
       <p:ext uri="{BB962C8B-B14F-4D97-AF65-F5344CB8AC3E}">
         <p14:creationId xmlns:p14="http://schemas.microsoft.com/office/powerpoint/2010/main" val="2852587120"/>
-      </p:ext>
-    </p:extLst>
-  </p:cSld>
-  <p:clrMapOvr>
-    <a:masterClrMapping/>
-  </p:clrMapOvr>
-  <mc:AlternateContent xmlns:mc="http://schemas.openxmlformats.org/markup-compatibility/2006" xmlns:p14="http://schemas.microsoft.com/office/powerpoint/2010/main">
-    <mc:Choice Requires="p14">
-      <p:transition spd="med" p14:dur="700">
-        <p:fade/>
-      </p:transition>
-    </mc:Choice>
-    <mc:Fallback xmlns="">
-      <p:transition spd="med">
-        <p:fade/>
-      </p:transition>
-    </mc:Fallback>
-  </mc:AlternateContent>
-  <p:timing>
-    <p:tnLst>
-      <p:par>
-        <p:cTn id="1" dur="indefinite" restart="never" nodeType="tmRoot"/>
-      </p:par>
-    </p:tnLst>
-  </p:timing>
-</p:sld>
-</file>
-
-<file path=ppt/slides/slide53.xml><?xml version="1.0" encoding="utf-8"?>
-<p:sld xmlns:a="http://schemas.openxmlformats.org/drawingml/2006/main" xmlns:r="http://schemas.openxmlformats.org/officeDocument/2006/relationships" xmlns:p="http://schemas.openxmlformats.org/presentationml/2006/main">
-  <p:cSld>
-    <p:spTree>
-      <p:nvGrpSpPr>
-        <p:cNvPr id="1" name=""/>
-        <p:cNvGrpSpPr/>
-        <p:nvPr/>
-      </p:nvGrpSpPr>
-      <p:grpSpPr>
-        <a:xfrm>
-          <a:off x="0" y="0"/>
-          <a:ext cx="0" cy="0"/>
-          <a:chOff x="0" y="0"/>
-          <a:chExt cx="0" cy="0"/>
-        </a:xfrm>
-      </p:grpSpPr>
-      <p:sp>
-        <p:nvSpPr>
-          <p:cNvPr id="3" name="Subtitle 2"/>
-          <p:cNvSpPr>
-            <a:spLocks noGrp="1"/>
-          </p:cNvSpPr>
-          <p:nvPr>
-            <p:ph type="subTitle" idx="1"/>
-          </p:nvPr>
-        </p:nvSpPr>
-        <p:spPr>
-          <a:xfrm>
-            <a:off x="0" y="0"/>
-            <a:ext cx="12192000" cy="6858000"/>
-          </a:xfrm>
-        </p:spPr>
-        <p:txBody>
-          <a:bodyPr/>
-          <a:lstStyle/>
-          <a:p>
-            <a:pPr algn="l"/>
-            <a:endParaRPr lang="en-US" sz="1800" dirty="0"/>
-          </a:p>
-        </p:txBody>
-      </p:sp>
-    </p:spTree>
-    <p:extLst>
-      <p:ext uri="{BB962C8B-B14F-4D97-AF65-F5344CB8AC3E}">
-        <p14:creationId xmlns:p14="http://schemas.microsoft.com/office/powerpoint/2010/main" val="1670588874"/>
-      </p:ext>
-    </p:extLst>
-  </p:cSld>
-  <p:clrMapOvr>
-    <a:masterClrMapping/>
-  </p:clrMapOvr>
-  <mc:AlternateContent xmlns:mc="http://schemas.openxmlformats.org/markup-compatibility/2006" xmlns:p14="http://schemas.microsoft.com/office/powerpoint/2010/main">
-    <mc:Choice Requires="p14">
-      <p:transition spd="med" p14:dur="700">
-        <p:fade/>
-      </p:transition>
-    </mc:Choice>
-    <mc:Fallback xmlns="">
-      <p:transition spd="med">
-        <p:fade/>
-      </p:transition>
-    </mc:Fallback>
-  </mc:AlternateContent>
-  <p:timing>
-    <p:tnLst>
-      <p:par>
-        <p:cTn id="1" dur="indefinite" restart="never" nodeType="tmRoot"/>
-      </p:par>
-    </p:tnLst>
-  </p:timing>
-</p:sld>
-</file>
-
-<file path=ppt/slides/slide54.xml><?xml version="1.0" encoding="utf-8"?>
-<p:sld xmlns:a="http://schemas.openxmlformats.org/drawingml/2006/main" xmlns:r="http://schemas.openxmlformats.org/officeDocument/2006/relationships" xmlns:p="http://schemas.openxmlformats.org/presentationml/2006/main">
-  <p:cSld>
-    <p:spTree>
-      <p:nvGrpSpPr>
-        <p:cNvPr id="1" name=""/>
-        <p:cNvGrpSpPr/>
-        <p:nvPr/>
-      </p:nvGrpSpPr>
-      <p:grpSpPr>
-        <a:xfrm>
-          <a:off x="0" y="0"/>
-          <a:ext cx="0" cy="0"/>
-          <a:chOff x="0" y="0"/>
-          <a:chExt cx="0" cy="0"/>
-        </a:xfrm>
-      </p:grpSpPr>
-    </p:spTree>
-    <p:extLst>
-      <p:ext uri="{BB962C8B-B14F-4D97-AF65-F5344CB8AC3E}">
-        <p14:creationId xmlns:p14="http://schemas.microsoft.com/office/powerpoint/2010/main" val="2817788937"/>
       </p:ext>
     </p:extLst>
   </p:cSld>
@@ -25787,15 +25219,6 @@
 </file>
 
 <file path=customXml/item1.xml><?xml version="1.0" encoding="utf-8"?>
-<?mso-contentType ?>
-<FormTemplates xmlns="http://schemas.microsoft.com/sharepoint/v3/contenttype/forms">
-  <Display>DocumentLibraryForm</Display>
-  <Edit>DocumentLibraryForm</Edit>
-  <New>DocumentLibraryForm</New>
-</FormTemplates>
-</file>
-
-<file path=customXml/item2.xml><?xml version="1.0" encoding="utf-8"?>
 <p:properties xmlns:p="http://schemas.microsoft.com/office/2006/metadata/properties" xmlns:xsi="http://www.w3.org/2001/XMLSchema-instance" xmlns:pc="http://schemas.microsoft.com/office/infopath/2007/PartnerControls">
   <documentManagement>
     <VSO_x0020_item_x0020_id xmlns="40262f94-9f35-4ac3-9a90-690165a166b7" xsi:nil="true"/>
@@ -25806,7 +25229,7 @@
 </p:properties>
 </file>
 
-<file path=customXml/item3.xml><?xml version="1.0" encoding="utf-8"?>
+<file path=customXml/item2.xml><?xml version="1.0" encoding="utf-8"?>
 <ct:contentTypeSchema xmlns:ct="http://schemas.microsoft.com/office/2006/metadata/contentType" xmlns:ma="http://schemas.microsoft.com/office/2006/metadata/properties/metaAttributes" ct:_="" ma:_="" ma:contentTypeName="Document" ma:contentTypeID="0x010100AA3F7D94069FF64A86F7DFF56D60E3BE" ma:contentTypeVersion="6" ma:contentTypeDescription="Create a new document." ma:contentTypeScope="" ma:versionID="c32302c77d4085ecf495bdddb7f5e889">
   <xsd:schema xmlns:xsd="http://www.w3.org/2001/XMLSchema" xmlns:xs="http://www.w3.org/2001/XMLSchema" xmlns:p="http://schemas.microsoft.com/office/2006/metadata/properties" xmlns:ns2="a4f35948-e619-41b3-aa29-22878b09cfd2" xmlns:ns3="40262f94-9f35-4ac3-9a90-690165a166b7" targetNamespace="http://schemas.microsoft.com/office/2006/metadata/properties" ma:root="true" ma:fieldsID="4ab5ae46be95f9d0be6107e8200be7a2" ns2:_="" ns3:_="">
     <xsd:import namespace="a4f35948-e619-41b3-aa29-22878b09cfd2"/>
@@ -25987,15 +25410,16 @@
 </ct:contentTypeSchema>
 </file>
 
-<file path=customXml/itemProps1.xml><?xml version="1.0" encoding="utf-8"?>
-<ds:datastoreItem xmlns:ds="http://schemas.openxmlformats.org/officeDocument/2006/customXml" ds:itemID="{B024FD56-CE1B-42FC-9E83-BFBF160724C6}">
-  <ds:schemaRefs>
-    <ds:schemaRef ds:uri="http://schemas.microsoft.com/sharepoint/v3/contenttype/forms"/>
-  </ds:schemaRefs>
-</ds:datastoreItem>
+<file path=customXml/item3.xml><?xml version="1.0" encoding="utf-8"?>
+<?mso-contentType ?>
+<FormTemplates xmlns="http://schemas.microsoft.com/sharepoint/v3/contenttype/forms">
+  <Display>DocumentLibraryForm</Display>
+  <Edit>DocumentLibraryForm</Edit>
+  <New>DocumentLibraryForm</New>
+</FormTemplates>
 </file>
 
-<file path=customXml/itemProps2.xml><?xml version="1.0" encoding="utf-8"?>
+<file path=customXml/itemProps1.xml><?xml version="1.0" encoding="utf-8"?>
 <ds:datastoreItem xmlns:ds="http://schemas.openxmlformats.org/officeDocument/2006/customXml" ds:itemID="{DEDD01B8-816B-49B7-8C81-03AB51D87C54}">
   <ds:schemaRefs>
     <ds:schemaRef ds:uri="http://schemas.openxmlformats.org/package/2006/metadata/core-properties"/>
@@ -26012,7 +25436,7 @@
 </ds:datastoreItem>
 </file>
 
-<file path=customXml/itemProps3.xml><?xml version="1.0" encoding="utf-8"?>
+<file path=customXml/itemProps2.xml><?xml version="1.0" encoding="utf-8"?>
 <ds:datastoreItem xmlns:ds="http://schemas.openxmlformats.org/officeDocument/2006/customXml" ds:itemID="{6253D857-4181-4777-8893-6E45A690F9F7}">
   <ds:schemaRefs>
     <ds:schemaRef ds:uri="http://schemas.microsoft.com/office/2006/metadata/contentType"/>
@@ -26029,4 +25453,12 @@
     <ds:schemaRef ds:uri="http://schemas.microsoft.com/internal/obd"/>
   </ds:schemaRefs>
 </ds:datastoreItem>
+</file>
+
+<file path=customXml/itemProps3.xml><?xml version="1.0" encoding="utf-8"?>
+<ds:datastoreItem xmlns:ds="http://schemas.openxmlformats.org/officeDocument/2006/customXml" ds:itemID="{B024FD56-CE1B-42FC-9E83-BFBF160724C6}">
+  <ds:schemaRefs>
+    <ds:schemaRef ds:uri="http://schemas.microsoft.com/sharepoint/v3/contenttype/forms"/>
+  </ds:schemaRefs>
+</ds:datastoreItem>
 </file>